--- a/full_mockup.pptx
+++ b/full_mockup.pptx
@@ -5,24 +5,25 @@
     <p:sldMasterId id="2147483648" r:id="rId1"/>
   </p:sldMasterIdLst>
   <p:notesMasterIdLst>
-    <p:notesMasterId r:id="rId8"/>
+    <p:notesMasterId r:id="rId9"/>
   </p:notesMasterIdLst>
   <p:sldIdLst>
     <p:sldId id="256" r:id="rId2"/>
-    <p:sldId id="261" r:id="rId3"/>
-    <p:sldId id="257" r:id="rId4"/>
-    <p:sldId id="258" r:id="rId5"/>
-    <p:sldId id="259" r:id="rId6"/>
-    <p:sldId id="260" r:id="rId7"/>
+    <p:sldId id="257" r:id="rId3"/>
+    <p:sldId id="258" r:id="rId4"/>
+    <p:sldId id="259" r:id="rId5"/>
+    <p:sldId id="260" r:id="rId6"/>
+    <p:sldId id="261" r:id="rId7"/>
+    <p:sldId id="262" r:id="rId8"/>
   </p:sldIdLst>
-  <p:sldSz cx="6858000" cy="12198350"/>
+  <p:sldSz cx="9144000" cy="6858000" type="screen4x3"/>
   <p:notesSz cx="6858000" cy="9144000"/>
   <p:defaultTextStyle>
     <a:defPPr>
       <a:defRPr lang="en-US"/>
     </a:defPPr>
-    <a:lvl1pPr marL="0" algn="l" defTabSz="457200" rtl="0" eaLnBrk="1" latinLnBrk="0" hangingPunct="1">
-      <a:defRPr sz="1800" kern="1200">
+    <a:lvl1pPr marL="0" algn="l" defTabSz="342763" rtl="0" eaLnBrk="1" latinLnBrk="0" hangingPunct="1">
+      <a:defRPr sz="1300" kern="1200">
         <a:solidFill>
           <a:schemeClr val="tx1"/>
         </a:solidFill>
@@ -31,8 +32,8 @@
         <a:cs typeface="+mn-cs"/>
       </a:defRPr>
     </a:lvl1pPr>
-    <a:lvl2pPr marL="457200" algn="l" defTabSz="457200" rtl="0" eaLnBrk="1" latinLnBrk="0" hangingPunct="1">
-      <a:defRPr sz="1800" kern="1200">
+    <a:lvl2pPr marL="342763" algn="l" defTabSz="342763" rtl="0" eaLnBrk="1" latinLnBrk="0" hangingPunct="1">
+      <a:defRPr sz="1300" kern="1200">
         <a:solidFill>
           <a:schemeClr val="tx1"/>
         </a:solidFill>
@@ -41,8 +42,8 @@
         <a:cs typeface="+mn-cs"/>
       </a:defRPr>
     </a:lvl2pPr>
-    <a:lvl3pPr marL="914400" algn="l" defTabSz="457200" rtl="0" eaLnBrk="1" latinLnBrk="0" hangingPunct="1">
-      <a:defRPr sz="1800" kern="1200">
+    <a:lvl3pPr marL="685526" algn="l" defTabSz="342763" rtl="0" eaLnBrk="1" latinLnBrk="0" hangingPunct="1">
+      <a:defRPr sz="1300" kern="1200">
         <a:solidFill>
           <a:schemeClr val="tx1"/>
         </a:solidFill>
@@ -51,8 +52,8 @@
         <a:cs typeface="+mn-cs"/>
       </a:defRPr>
     </a:lvl3pPr>
-    <a:lvl4pPr marL="1371600" algn="l" defTabSz="457200" rtl="0" eaLnBrk="1" latinLnBrk="0" hangingPunct="1">
-      <a:defRPr sz="1800" kern="1200">
+    <a:lvl4pPr marL="1028289" algn="l" defTabSz="342763" rtl="0" eaLnBrk="1" latinLnBrk="0" hangingPunct="1">
+      <a:defRPr sz="1300" kern="1200">
         <a:solidFill>
           <a:schemeClr val="tx1"/>
         </a:solidFill>
@@ -61,8 +62,8 @@
         <a:cs typeface="+mn-cs"/>
       </a:defRPr>
     </a:lvl4pPr>
-    <a:lvl5pPr marL="1828800" algn="l" defTabSz="457200" rtl="0" eaLnBrk="1" latinLnBrk="0" hangingPunct="1">
-      <a:defRPr sz="1800" kern="1200">
+    <a:lvl5pPr marL="1371051" algn="l" defTabSz="342763" rtl="0" eaLnBrk="1" latinLnBrk="0" hangingPunct="1">
+      <a:defRPr sz="1300" kern="1200">
         <a:solidFill>
           <a:schemeClr val="tx1"/>
         </a:solidFill>
@@ -71,8 +72,8 @@
         <a:cs typeface="+mn-cs"/>
       </a:defRPr>
     </a:lvl5pPr>
-    <a:lvl6pPr marL="2286000" algn="l" defTabSz="457200" rtl="0" eaLnBrk="1" latinLnBrk="0" hangingPunct="1">
-      <a:defRPr sz="1800" kern="1200">
+    <a:lvl6pPr marL="1713814" algn="l" defTabSz="342763" rtl="0" eaLnBrk="1" latinLnBrk="0" hangingPunct="1">
+      <a:defRPr sz="1300" kern="1200">
         <a:solidFill>
           <a:schemeClr val="tx1"/>
         </a:solidFill>
@@ -81,8 +82,8 @@
         <a:cs typeface="+mn-cs"/>
       </a:defRPr>
     </a:lvl6pPr>
-    <a:lvl7pPr marL="2743200" algn="l" defTabSz="457200" rtl="0" eaLnBrk="1" latinLnBrk="0" hangingPunct="1">
-      <a:defRPr sz="1800" kern="1200">
+    <a:lvl7pPr marL="2056577" algn="l" defTabSz="342763" rtl="0" eaLnBrk="1" latinLnBrk="0" hangingPunct="1">
+      <a:defRPr sz="1300" kern="1200">
         <a:solidFill>
           <a:schemeClr val="tx1"/>
         </a:solidFill>
@@ -91,8 +92,8 @@
         <a:cs typeface="+mn-cs"/>
       </a:defRPr>
     </a:lvl7pPr>
-    <a:lvl8pPr marL="3200400" algn="l" defTabSz="457200" rtl="0" eaLnBrk="1" latinLnBrk="0" hangingPunct="1">
-      <a:defRPr sz="1800" kern="1200">
+    <a:lvl8pPr marL="2399340" algn="l" defTabSz="342763" rtl="0" eaLnBrk="1" latinLnBrk="0" hangingPunct="1">
+      <a:defRPr sz="1300" kern="1200">
         <a:solidFill>
           <a:schemeClr val="tx1"/>
         </a:solidFill>
@@ -101,8 +102,8 @@
         <a:cs typeface="+mn-cs"/>
       </a:defRPr>
     </a:lvl8pPr>
-    <a:lvl9pPr marL="3657600" algn="l" defTabSz="457200" rtl="0" eaLnBrk="1" latinLnBrk="0" hangingPunct="1">
-      <a:defRPr sz="1800" kern="1200">
+    <a:lvl9pPr marL="2742103" algn="l" defTabSz="342763" rtl="0" eaLnBrk="1" latinLnBrk="0" hangingPunct="1">
+      <a:defRPr sz="1300" kern="1200">
         <a:solidFill>
           <a:schemeClr val="tx1"/>
         </a:solidFill>
@@ -215,8 +216,8 @@
         </p:nvSpPr>
         <p:spPr>
           <a:xfrm>
-            <a:off x="2465388" y="685800"/>
-            <a:ext cx="1927225" cy="3429000"/>
+            <a:off x="1143000" y="685800"/>
+            <a:ext cx="4572000" cy="3429000"/>
           </a:xfrm>
           <a:prstGeom prst="rect">
             <a:avLst/>
@@ -371,8 +372,8 @@
   </p:cSld>
   <p:clrMap bg1="lt1" tx1="dk1" bg2="lt2" tx2="dk2" accent1="accent1" accent2="accent2" accent3="accent3" accent4="accent4" accent5="accent5" accent6="accent6" hlink="hlink" folHlink="folHlink"/>
   <p:notesStyle>
-    <a:lvl1pPr marL="0" algn="l" defTabSz="457200" rtl="0" eaLnBrk="1" latinLnBrk="0" hangingPunct="1">
-      <a:defRPr sz="1200" kern="1200">
+    <a:lvl1pPr marL="0" algn="l" defTabSz="342763" rtl="0" eaLnBrk="1" latinLnBrk="0" hangingPunct="1">
+      <a:defRPr sz="900" kern="1200">
         <a:solidFill>
           <a:schemeClr val="tx1"/>
         </a:solidFill>
@@ -381,8 +382,8 @@
         <a:cs typeface="+mn-cs"/>
       </a:defRPr>
     </a:lvl1pPr>
-    <a:lvl2pPr marL="457200" algn="l" defTabSz="457200" rtl="0" eaLnBrk="1" latinLnBrk="0" hangingPunct="1">
-      <a:defRPr sz="1200" kern="1200">
+    <a:lvl2pPr marL="342763" algn="l" defTabSz="342763" rtl="0" eaLnBrk="1" latinLnBrk="0" hangingPunct="1">
+      <a:defRPr sz="900" kern="1200">
         <a:solidFill>
           <a:schemeClr val="tx1"/>
         </a:solidFill>
@@ -391,8 +392,8 @@
         <a:cs typeface="+mn-cs"/>
       </a:defRPr>
     </a:lvl2pPr>
-    <a:lvl3pPr marL="914400" algn="l" defTabSz="457200" rtl="0" eaLnBrk="1" latinLnBrk="0" hangingPunct="1">
-      <a:defRPr sz="1200" kern="1200">
+    <a:lvl3pPr marL="685526" algn="l" defTabSz="342763" rtl="0" eaLnBrk="1" latinLnBrk="0" hangingPunct="1">
+      <a:defRPr sz="900" kern="1200">
         <a:solidFill>
           <a:schemeClr val="tx1"/>
         </a:solidFill>
@@ -401,8 +402,8 @@
         <a:cs typeface="+mn-cs"/>
       </a:defRPr>
     </a:lvl3pPr>
-    <a:lvl4pPr marL="1371600" algn="l" defTabSz="457200" rtl="0" eaLnBrk="1" latinLnBrk="0" hangingPunct="1">
-      <a:defRPr sz="1200" kern="1200">
+    <a:lvl4pPr marL="1028289" algn="l" defTabSz="342763" rtl="0" eaLnBrk="1" latinLnBrk="0" hangingPunct="1">
+      <a:defRPr sz="900" kern="1200">
         <a:solidFill>
           <a:schemeClr val="tx1"/>
         </a:solidFill>
@@ -411,8 +412,8 @@
         <a:cs typeface="+mn-cs"/>
       </a:defRPr>
     </a:lvl4pPr>
-    <a:lvl5pPr marL="1828800" algn="l" defTabSz="457200" rtl="0" eaLnBrk="1" latinLnBrk="0" hangingPunct="1">
-      <a:defRPr sz="1200" kern="1200">
+    <a:lvl5pPr marL="1371051" algn="l" defTabSz="342763" rtl="0" eaLnBrk="1" latinLnBrk="0" hangingPunct="1">
+      <a:defRPr sz="900" kern="1200">
         <a:solidFill>
           <a:schemeClr val="tx1"/>
         </a:solidFill>
@@ -421,8 +422,8 @@
         <a:cs typeface="+mn-cs"/>
       </a:defRPr>
     </a:lvl5pPr>
-    <a:lvl6pPr marL="2286000" algn="l" defTabSz="457200" rtl="0" eaLnBrk="1" latinLnBrk="0" hangingPunct="1">
-      <a:defRPr sz="1200" kern="1200">
+    <a:lvl6pPr marL="1713814" algn="l" defTabSz="342763" rtl="0" eaLnBrk="1" latinLnBrk="0" hangingPunct="1">
+      <a:defRPr sz="900" kern="1200">
         <a:solidFill>
           <a:schemeClr val="tx1"/>
         </a:solidFill>
@@ -431,8 +432,8 @@
         <a:cs typeface="+mn-cs"/>
       </a:defRPr>
     </a:lvl6pPr>
-    <a:lvl7pPr marL="2743200" algn="l" defTabSz="457200" rtl="0" eaLnBrk="1" latinLnBrk="0" hangingPunct="1">
-      <a:defRPr sz="1200" kern="1200">
+    <a:lvl7pPr marL="2056577" algn="l" defTabSz="342763" rtl="0" eaLnBrk="1" latinLnBrk="0" hangingPunct="1">
+      <a:defRPr sz="900" kern="1200">
         <a:solidFill>
           <a:schemeClr val="tx1"/>
         </a:solidFill>
@@ -441,8 +442,8 @@
         <a:cs typeface="+mn-cs"/>
       </a:defRPr>
     </a:lvl7pPr>
-    <a:lvl8pPr marL="3200400" algn="l" defTabSz="457200" rtl="0" eaLnBrk="1" latinLnBrk="0" hangingPunct="1">
-      <a:defRPr sz="1200" kern="1200">
+    <a:lvl8pPr marL="2399340" algn="l" defTabSz="342763" rtl="0" eaLnBrk="1" latinLnBrk="0" hangingPunct="1">
+      <a:defRPr sz="900" kern="1200">
         <a:solidFill>
           <a:schemeClr val="tx1"/>
         </a:solidFill>
@@ -451,8 +452,8 @@
         <a:cs typeface="+mn-cs"/>
       </a:defRPr>
     </a:lvl8pPr>
-    <a:lvl9pPr marL="3657600" algn="l" defTabSz="457200" rtl="0" eaLnBrk="1" latinLnBrk="0" hangingPunct="1">
-      <a:defRPr sz="1200" kern="1200">
+    <a:lvl9pPr marL="2742103" algn="l" defTabSz="342763" rtl="0" eaLnBrk="1" latinLnBrk="0" hangingPunct="1">
+      <a:defRPr sz="900" kern="1200">
         <a:solidFill>
           <a:schemeClr val="tx1"/>
         </a:solidFill>
@@ -492,7 +493,12 @@
             <p:ph type="sldImg"/>
           </p:nvPr>
         </p:nvSpPr>
-        <p:spPr/>
+        <p:spPr>
+          <a:xfrm>
+            <a:off x="1143000" y="685800"/>
+            <a:ext cx="4572000" cy="3429000"/>
+          </a:xfrm>
+        </p:spPr>
       </p:sp>
       <p:sp>
         <p:nvSpPr>
@@ -580,26 +586,31 @@
             <p:ph type="sldImg"/>
           </p:nvPr>
         </p:nvSpPr>
+        <p:spPr>
+          <a:xfrm>
+            <a:off x="1143000" y="685800"/>
+            <a:ext cx="4572000" cy="3429000"/>
+          </a:xfrm>
+        </p:spPr>
+      </p:sp>
+      <p:sp>
+        <p:nvSpPr>
+          <p:cNvPr id="3" name="Notes Placeholder 2"/>
+          <p:cNvSpPr>
+            <a:spLocks noGrp="1"/>
+          </p:cNvSpPr>
+          <p:nvPr>
+            <p:ph type="body" idx="1"/>
+          </p:nvPr>
+        </p:nvSpPr>
         <p:spPr/>
-      </p:sp>
-      <p:sp>
-        <p:nvSpPr>
-          <p:cNvPr id="3" name="Notes Placeholder 2"/>
-          <p:cNvSpPr>
-            <a:spLocks noGrp="1"/>
-          </p:cNvSpPr>
-          <p:nvPr>
-            <p:ph type="body" idx="1"/>
-          </p:nvPr>
-        </p:nvSpPr>
-        <p:spPr/>
         <p:txBody>
           <a:bodyPr/>
           <a:lstStyle/>
           <a:p>
             <a:r>
               <a:rPr lang="en-US" dirty="0" smtClean="0"/>
-              <a:t>Match made</a:t>
+              <a:t>Main screen</a:t>
             </a:r>
             <a:endParaRPr lang="en-US" dirty="0"/>
           </a:p>
@@ -631,7 +642,7 @@
     </p:spTree>
     <p:extLst>
       <p:ext uri="{BB962C8B-B14F-4D97-AF65-F5344CB8AC3E}">
-        <p14:creationId xmlns:p14="http://schemas.microsoft.com/office/powerpoint/2010/main" val="544405361"/>
+        <p14:creationId xmlns:p14="http://schemas.microsoft.com/office/powerpoint/2010/main" val="1128378198"/>
       </p:ext>
     </p:extLst>
   </p:cSld>
@@ -668,30 +679,31 @@
             <p:ph type="sldImg"/>
           </p:nvPr>
         </p:nvSpPr>
+        <p:spPr>
+          <a:xfrm>
+            <a:off x="1143000" y="685800"/>
+            <a:ext cx="4572000" cy="3429000"/>
+          </a:xfrm>
+        </p:spPr>
+      </p:sp>
+      <p:sp>
+        <p:nvSpPr>
+          <p:cNvPr id="3" name="Notes Placeholder 2"/>
+          <p:cNvSpPr>
+            <a:spLocks noGrp="1"/>
+          </p:cNvSpPr>
+          <p:nvPr>
+            <p:ph type="body" idx="1"/>
+          </p:nvPr>
+        </p:nvSpPr>
         <p:spPr/>
-      </p:sp>
-      <p:sp>
-        <p:nvSpPr>
-          <p:cNvPr id="3" name="Notes Placeholder 2"/>
-          <p:cNvSpPr>
-            <a:spLocks noGrp="1"/>
-          </p:cNvSpPr>
-          <p:nvPr>
-            <p:ph type="body" idx="1"/>
-          </p:nvPr>
-        </p:nvSpPr>
-        <p:spPr/>
         <p:txBody>
           <a:bodyPr/>
           <a:lstStyle/>
           <a:p>
             <a:r>
               <a:rPr lang="en-US" dirty="0" smtClean="0"/>
-              <a:t>Detail</a:t>
-            </a:r>
-            <a:r>
-              <a:rPr lang="en-US" baseline="0" dirty="0" smtClean="0"/>
-              <a:t> -- pet</a:t>
+              <a:t>Main screen</a:t>
             </a:r>
             <a:endParaRPr lang="en-US" dirty="0"/>
           </a:p>
@@ -723,7 +735,7 @@
     </p:spTree>
     <p:extLst>
       <p:ext uri="{BB962C8B-B14F-4D97-AF65-F5344CB8AC3E}">
-        <p14:creationId xmlns:p14="http://schemas.microsoft.com/office/powerpoint/2010/main" val="4058484828"/>
+        <p14:creationId xmlns:p14="http://schemas.microsoft.com/office/powerpoint/2010/main" val="1128378198"/>
       </p:ext>
     </p:extLst>
   </p:cSld>
@@ -760,26 +772,31 @@
             <p:ph type="sldImg"/>
           </p:nvPr>
         </p:nvSpPr>
+        <p:spPr>
+          <a:xfrm>
+            <a:off x="1143000" y="685800"/>
+            <a:ext cx="4572000" cy="3429000"/>
+          </a:xfrm>
+        </p:spPr>
+      </p:sp>
+      <p:sp>
+        <p:nvSpPr>
+          <p:cNvPr id="3" name="Notes Placeholder 2"/>
+          <p:cNvSpPr>
+            <a:spLocks noGrp="1"/>
+          </p:cNvSpPr>
+          <p:nvPr>
+            <p:ph type="body" idx="1"/>
+          </p:nvPr>
+        </p:nvSpPr>
         <p:spPr/>
-      </p:sp>
-      <p:sp>
-        <p:nvSpPr>
-          <p:cNvPr id="3" name="Notes Placeholder 2"/>
-          <p:cNvSpPr>
-            <a:spLocks noGrp="1"/>
-          </p:cNvSpPr>
-          <p:nvPr>
-            <p:ph type="body" idx="1"/>
-          </p:nvPr>
-        </p:nvSpPr>
-        <p:spPr/>
         <p:txBody>
           <a:bodyPr/>
           <a:lstStyle/>
           <a:p>
             <a:r>
               <a:rPr lang="en-US" dirty="0" smtClean="0"/>
-              <a:t>Detail -- walker</a:t>
+              <a:t>Main screen</a:t>
             </a:r>
             <a:endParaRPr lang="en-US" dirty="0"/>
           </a:p>
@@ -811,7 +828,7 @@
     </p:spTree>
     <p:extLst>
       <p:ext uri="{BB962C8B-B14F-4D97-AF65-F5344CB8AC3E}">
-        <p14:creationId xmlns:p14="http://schemas.microsoft.com/office/powerpoint/2010/main" val="442744448"/>
+        <p14:creationId xmlns:p14="http://schemas.microsoft.com/office/powerpoint/2010/main" val="1128378198"/>
       </p:ext>
     </p:extLst>
   </p:cSld>
@@ -848,26 +865,31 @@
             <p:ph type="sldImg"/>
           </p:nvPr>
         </p:nvSpPr>
+        <p:spPr>
+          <a:xfrm>
+            <a:off x="1143000" y="685800"/>
+            <a:ext cx="4572000" cy="3429000"/>
+          </a:xfrm>
+        </p:spPr>
+      </p:sp>
+      <p:sp>
+        <p:nvSpPr>
+          <p:cNvPr id="3" name="Notes Placeholder 2"/>
+          <p:cNvSpPr>
+            <a:spLocks noGrp="1"/>
+          </p:cNvSpPr>
+          <p:nvPr>
+            <p:ph type="body" idx="1"/>
+          </p:nvPr>
+        </p:nvSpPr>
         <p:spPr/>
-      </p:sp>
-      <p:sp>
-        <p:nvSpPr>
-          <p:cNvPr id="3" name="Notes Placeholder 2"/>
-          <p:cNvSpPr>
-            <a:spLocks noGrp="1"/>
-          </p:cNvSpPr>
-          <p:nvPr>
-            <p:ph type="body" idx="1"/>
-          </p:nvPr>
-        </p:nvSpPr>
-        <p:spPr/>
         <p:txBody>
           <a:bodyPr/>
           <a:lstStyle/>
           <a:p>
             <a:r>
               <a:rPr lang="en-US" dirty="0" smtClean="0"/>
-              <a:t>matches</a:t>
+              <a:t>Main screen</a:t>
             </a:r>
             <a:endParaRPr lang="en-US" dirty="0"/>
           </a:p>
@@ -899,7 +921,7 @@
     </p:spTree>
     <p:extLst>
       <p:ext uri="{BB962C8B-B14F-4D97-AF65-F5344CB8AC3E}">
-        <p14:creationId xmlns:p14="http://schemas.microsoft.com/office/powerpoint/2010/main" val="551586148"/>
+        <p14:creationId xmlns:p14="http://schemas.microsoft.com/office/powerpoint/2010/main" val="1128378198"/>
       </p:ext>
     </p:extLst>
   </p:cSld>
@@ -936,26 +958,31 @@
             <p:ph type="sldImg"/>
           </p:nvPr>
         </p:nvSpPr>
+        <p:spPr>
+          <a:xfrm>
+            <a:off x="1143000" y="685800"/>
+            <a:ext cx="4572000" cy="3429000"/>
+          </a:xfrm>
+        </p:spPr>
+      </p:sp>
+      <p:sp>
+        <p:nvSpPr>
+          <p:cNvPr id="3" name="Notes Placeholder 2"/>
+          <p:cNvSpPr>
+            <a:spLocks noGrp="1"/>
+          </p:cNvSpPr>
+          <p:nvPr>
+            <p:ph type="body" idx="1"/>
+          </p:nvPr>
+        </p:nvSpPr>
         <p:spPr/>
-      </p:sp>
-      <p:sp>
-        <p:nvSpPr>
-          <p:cNvPr id="3" name="Notes Placeholder 2"/>
-          <p:cNvSpPr>
-            <a:spLocks noGrp="1"/>
-          </p:cNvSpPr>
-          <p:nvPr>
-            <p:ph type="body" idx="1"/>
-          </p:nvPr>
-        </p:nvSpPr>
-        <p:spPr/>
         <p:txBody>
           <a:bodyPr/>
           <a:lstStyle/>
           <a:p>
             <a:r>
               <a:rPr lang="en-US" dirty="0" smtClean="0"/>
-              <a:t>login</a:t>
+              <a:t>Main screen</a:t>
             </a:r>
             <a:endParaRPr lang="en-US" dirty="0"/>
           </a:p>
@@ -987,7 +1014,100 @@
     </p:spTree>
     <p:extLst>
       <p:ext uri="{BB962C8B-B14F-4D97-AF65-F5344CB8AC3E}">
-        <p14:creationId xmlns:p14="http://schemas.microsoft.com/office/powerpoint/2010/main" val="1001919492"/>
+        <p14:creationId xmlns:p14="http://schemas.microsoft.com/office/powerpoint/2010/main" val="1128378198"/>
+      </p:ext>
+    </p:extLst>
+  </p:cSld>
+  <p:clrMapOvr>
+    <a:masterClrMapping/>
+  </p:clrMapOvr>
+</p:notes>
+</file>
+
+<file path=ppt/notesSlides/notesSlide7.xml><?xml version="1.0" encoding="utf-8"?>
+<p:notes xmlns:a="http://schemas.openxmlformats.org/drawingml/2006/main" xmlns:r="http://schemas.openxmlformats.org/officeDocument/2006/relationships" xmlns:p="http://schemas.openxmlformats.org/presentationml/2006/main">
+  <p:cSld>
+    <p:spTree>
+      <p:nvGrpSpPr>
+        <p:cNvPr id="1" name=""/>
+        <p:cNvGrpSpPr/>
+        <p:nvPr/>
+      </p:nvGrpSpPr>
+      <p:grpSpPr>
+        <a:xfrm>
+          <a:off x="0" y="0"/>
+          <a:ext cx="0" cy="0"/>
+          <a:chOff x="0" y="0"/>
+          <a:chExt cx="0" cy="0"/>
+        </a:xfrm>
+      </p:grpSpPr>
+      <p:sp>
+        <p:nvSpPr>
+          <p:cNvPr id="2" name="Slide Image Placeholder 1"/>
+          <p:cNvSpPr>
+            <a:spLocks noGrp="1" noRot="1" noChangeAspect="1"/>
+          </p:cNvSpPr>
+          <p:nvPr>
+            <p:ph type="sldImg"/>
+          </p:nvPr>
+        </p:nvSpPr>
+        <p:spPr>
+          <a:xfrm>
+            <a:off x="1143000" y="685800"/>
+            <a:ext cx="4572000" cy="3429000"/>
+          </a:xfrm>
+        </p:spPr>
+      </p:sp>
+      <p:sp>
+        <p:nvSpPr>
+          <p:cNvPr id="3" name="Notes Placeholder 2"/>
+          <p:cNvSpPr>
+            <a:spLocks noGrp="1"/>
+          </p:cNvSpPr>
+          <p:nvPr>
+            <p:ph type="body" idx="1"/>
+          </p:nvPr>
+        </p:nvSpPr>
+        <p:spPr/>
+        <p:txBody>
+          <a:bodyPr/>
+          <a:lstStyle/>
+          <a:p>
+            <a:r>
+              <a:rPr lang="en-US" dirty="0" smtClean="0"/>
+              <a:t>Main screen</a:t>
+            </a:r>
+            <a:endParaRPr lang="en-US" dirty="0"/>
+          </a:p>
+        </p:txBody>
+      </p:sp>
+      <p:sp>
+        <p:nvSpPr>
+          <p:cNvPr id="4" name="Slide Number Placeholder 3"/>
+          <p:cNvSpPr>
+            <a:spLocks noGrp="1"/>
+          </p:cNvSpPr>
+          <p:nvPr>
+            <p:ph type="sldNum" sz="quarter" idx="10"/>
+          </p:nvPr>
+        </p:nvSpPr>
+        <p:spPr/>
+        <p:txBody>
+          <a:bodyPr/>
+          <a:lstStyle/>
+          <a:p>
+            <a:fld id="{F51E2C67-F8F9-4F42-9CC7-E33CB7A55854}" type="slidenum">
+              <a:rPr lang="en-US" smtClean="0"/>
+              <a:t>7</a:t>
+            </a:fld>
+            <a:endParaRPr lang="en-US"/>
+          </a:p>
+        </p:txBody>
+      </p:sp>
+    </p:spTree>
+    <p:extLst>
+      <p:ext uri="{BB962C8B-B14F-4D97-AF65-F5344CB8AC3E}">
+        <p14:creationId xmlns:p14="http://schemas.microsoft.com/office/powerpoint/2010/main" val="1128378198"/>
       </p:ext>
     </p:extLst>
   </p:cSld>
@@ -1026,8 +1146,8 @@
         </p:nvSpPr>
         <p:spPr>
           <a:xfrm>
-            <a:off x="514350" y="3789396"/>
-            <a:ext cx="5829300" cy="2614739"/>
+            <a:off x="685801" y="2130428"/>
+            <a:ext cx="7772400" cy="1470025"/>
           </a:xfrm>
         </p:spPr>
         <p:txBody>
@@ -1054,8 +1174,8 @@
         </p:nvSpPr>
         <p:spPr>
           <a:xfrm>
-            <a:off x="1028700" y="6912398"/>
-            <a:ext cx="4800600" cy="3117356"/>
+            <a:off x="1371600" y="3886200"/>
+            <a:ext cx="6400800" cy="1752600"/>
           </a:xfrm>
         </p:spPr>
         <p:txBody>
@@ -1071,7 +1191,7 @@
                 </a:solidFill>
               </a:defRPr>
             </a:lvl1pPr>
-            <a:lvl2pPr marL="457200" indent="0" algn="ctr">
+            <a:lvl2pPr marL="342763" indent="0" algn="ctr">
               <a:buNone/>
               <a:defRPr>
                 <a:solidFill>
@@ -1081,7 +1201,7 @@
                 </a:solidFill>
               </a:defRPr>
             </a:lvl2pPr>
-            <a:lvl3pPr marL="914400" indent="0" algn="ctr">
+            <a:lvl3pPr marL="685526" indent="0" algn="ctr">
               <a:buNone/>
               <a:defRPr>
                 <a:solidFill>
@@ -1091,7 +1211,7 @@
                 </a:solidFill>
               </a:defRPr>
             </a:lvl3pPr>
-            <a:lvl4pPr marL="1371600" indent="0" algn="ctr">
+            <a:lvl4pPr marL="1028289" indent="0" algn="ctr">
               <a:buNone/>
               <a:defRPr>
                 <a:solidFill>
@@ -1101,7 +1221,7 @@
                 </a:solidFill>
               </a:defRPr>
             </a:lvl4pPr>
-            <a:lvl5pPr marL="1828800" indent="0" algn="ctr">
+            <a:lvl5pPr marL="1371051" indent="0" algn="ctr">
               <a:buNone/>
               <a:defRPr>
                 <a:solidFill>
@@ -1111,7 +1231,7 @@
                 </a:solidFill>
               </a:defRPr>
             </a:lvl5pPr>
-            <a:lvl6pPr marL="2286000" indent="0" algn="ctr">
+            <a:lvl6pPr marL="1713814" indent="0" algn="ctr">
               <a:buNone/>
               <a:defRPr>
                 <a:solidFill>
@@ -1121,7 +1241,7 @@
                 </a:solidFill>
               </a:defRPr>
             </a:lvl6pPr>
-            <a:lvl7pPr marL="2743200" indent="0" algn="ctr">
+            <a:lvl7pPr marL="2056577" indent="0" algn="ctr">
               <a:buNone/>
               <a:defRPr>
                 <a:solidFill>
@@ -1131,7 +1251,7 @@
                 </a:solidFill>
               </a:defRPr>
             </a:lvl7pPr>
-            <a:lvl8pPr marL="3200400" indent="0" algn="ctr">
+            <a:lvl8pPr marL="2399340" indent="0" algn="ctr">
               <a:buNone/>
               <a:defRPr>
                 <a:solidFill>
@@ -1141,7 +1261,7 @@
                 </a:solidFill>
               </a:defRPr>
             </a:lvl8pPr>
-            <a:lvl9pPr marL="3657600" indent="0" algn="ctr">
+            <a:lvl9pPr marL="2742103" indent="0" algn="ctr">
               <a:buNone/>
               <a:defRPr>
                 <a:solidFill>
@@ -1438,8 +1558,8 @@
         </p:nvSpPr>
         <p:spPr>
           <a:xfrm>
-            <a:off x="4972050" y="488501"/>
-            <a:ext cx="1543050" cy="10408129"/>
+            <a:off x="6629401" y="274640"/>
+            <a:ext cx="2057401" cy="5851525"/>
           </a:xfrm>
         </p:spPr>
         <p:txBody>
@@ -1466,8 +1586,8 @@
         </p:nvSpPr>
         <p:spPr>
           <a:xfrm>
-            <a:off x="342900" y="488501"/>
-            <a:ext cx="4514850" cy="10408129"/>
+            <a:off x="457202" y="274640"/>
+            <a:ext cx="6019801" cy="5851525"/>
           </a:xfrm>
         </p:spPr>
         <p:txBody>
@@ -1788,15 +1908,15 @@
         </p:nvSpPr>
         <p:spPr>
           <a:xfrm>
-            <a:off x="541735" y="7838570"/>
-            <a:ext cx="5829300" cy="2422728"/>
+            <a:off x="722313" y="4406900"/>
+            <a:ext cx="7772400" cy="1362075"/>
           </a:xfrm>
         </p:spPr>
         <p:txBody>
           <a:bodyPr anchor="t"/>
           <a:lstStyle>
             <a:lvl1pPr algn="l">
-              <a:defRPr sz="4000" b="1" cap="all"/>
+              <a:defRPr sz="3000" b="1" cap="all"/>
             </a:lvl1pPr>
           </a:lstStyle>
           <a:p>
@@ -1820,8 +1940,8 @@
         </p:nvSpPr>
         <p:spPr>
           <a:xfrm>
-            <a:off x="541735" y="5170182"/>
-            <a:ext cx="5829300" cy="2668388"/>
+            <a:off x="722313" y="2906715"/>
+            <a:ext cx="7772400" cy="1500187"/>
           </a:xfrm>
         </p:spPr>
         <p:txBody>
@@ -1829,7 +1949,7 @@
           <a:lstStyle>
             <a:lvl1pPr marL="0" indent="0">
               <a:buNone/>
-              <a:defRPr sz="2000">
+              <a:defRPr sz="1500">
                 <a:solidFill>
                   <a:schemeClr val="tx1">
                     <a:tint val="75000"/>
@@ -1837,9 +1957,9 @@
                 </a:solidFill>
               </a:defRPr>
             </a:lvl1pPr>
-            <a:lvl2pPr marL="457200" indent="0">
+            <a:lvl2pPr marL="342763" indent="0">
               <a:buNone/>
-              <a:defRPr sz="1800">
+              <a:defRPr sz="1300">
                 <a:solidFill>
                   <a:schemeClr val="tx1">
                     <a:tint val="75000"/>
@@ -1847,9 +1967,9 @@
                 </a:solidFill>
               </a:defRPr>
             </a:lvl2pPr>
-            <a:lvl3pPr marL="914400" indent="0">
+            <a:lvl3pPr marL="685526" indent="0">
               <a:buNone/>
-              <a:defRPr sz="1600">
+              <a:defRPr sz="1200">
                 <a:solidFill>
                   <a:schemeClr val="tx1">
                     <a:tint val="75000"/>
@@ -1857,9 +1977,9 @@
                 </a:solidFill>
               </a:defRPr>
             </a:lvl3pPr>
-            <a:lvl4pPr marL="1371600" indent="0">
+            <a:lvl4pPr marL="1028289" indent="0">
               <a:buNone/>
-              <a:defRPr sz="1400">
+              <a:defRPr sz="1000">
                 <a:solidFill>
                   <a:schemeClr val="tx1">
                     <a:tint val="75000"/>
@@ -1867,9 +1987,9 @@
                 </a:solidFill>
               </a:defRPr>
             </a:lvl4pPr>
-            <a:lvl5pPr marL="1828800" indent="0">
+            <a:lvl5pPr marL="1371051" indent="0">
               <a:buNone/>
-              <a:defRPr sz="1400">
+              <a:defRPr sz="1000">
                 <a:solidFill>
                   <a:schemeClr val="tx1">
                     <a:tint val="75000"/>
@@ -1877,9 +1997,9 @@
                 </a:solidFill>
               </a:defRPr>
             </a:lvl5pPr>
-            <a:lvl6pPr marL="2286000" indent="0">
+            <a:lvl6pPr marL="1713814" indent="0">
               <a:buNone/>
-              <a:defRPr sz="1400">
+              <a:defRPr sz="1000">
                 <a:solidFill>
                   <a:schemeClr val="tx1">
                     <a:tint val="75000"/>
@@ -1887,9 +2007,9 @@
                 </a:solidFill>
               </a:defRPr>
             </a:lvl6pPr>
-            <a:lvl7pPr marL="2743200" indent="0">
+            <a:lvl7pPr marL="2056577" indent="0">
               <a:buNone/>
-              <a:defRPr sz="1400">
+              <a:defRPr sz="1000">
                 <a:solidFill>
                   <a:schemeClr val="tx1">
                     <a:tint val="75000"/>
@@ -1897,9 +2017,9 @@
                 </a:solidFill>
               </a:defRPr>
             </a:lvl7pPr>
-            <a:lvl8pPr marL="3200400" indent="0">
+            <a:lvl8pPr marL="2399340" indent="0">
               <a:buNone/>
-              <a:defRPr sz="1400">
+              <a:defRPr sz="1000">
                 <a:solidFill>
                   <a:schemeClr val="tx1">
                     <a:tint val="75000"/>
@@ -1907,9 +2027,9 @@
                 </a:solidFill>
               </a:defRPr>
             </a:lvl8pPr>
-            <a:lvl9pPr marL="3657600" indent="0">
+            <a:lvl9pPr marL="2742103" indent="0">
               <a:buNone/>
-              <a:defRPr sz="1400">
+              <a:defRPr sz="1000">
                 <a:solidFill>
                   <a:schemeClr val="tx1">
                     <a:tint val="75000"/>
@@ -2057,39 +2177,39 @@
         </p:nvSpPr>
         <p:spPr>
           <a:xfrm>
-            <a:off x="342900" y="2846283"/>
-            <a:ext cx="3028950" cy="8050347"/>
+            <a:off x="457203" y="1600201"/>
+            <a:ext cx="4038601" cy="4525963"/>
           </a:xfrm>
         </p:spPr>
         <p:txBody>
           <a:bodyPr/>
           <a:lstStyle>
             <a:lvl1pPr>
-              <a:defRPr sz="2800"/>
+              <a:defRPr sz="2100"/>
             </a:lvl1pPr>
             <a:lvl2pPr>
-              <a:defRPr sz="2400"/>
+              <a:defRPr sz="1800"/>
             </a:lvl2pPr>
             <a:lvl3pPr>
-              <a:defRPr sz="2000"/>
+              <a:defRPr sz="1500"/>
             </a:lvl3pPr>
             <a:lvl4pPr>
-              <a:defRPr sz="1800"/>
+              <a:defRPr sz="1300"/>
             </a:lvl4pPr>
             <a:lvl5pPr>
-              <a:defRPr sz="1800"/>
+              <a:defRPr sz="1300"/>
             </a:lvl5pPr>
             <a:lvl6pPr>
-              <a:defRPr sz="1800"/>
+              <a:defRPr sz="1300"/>
             </a:lvl6pPr>
             <a:lvl7pPr>
-              <a:defRPr sz="1800"/>
+              <a:defRPr sz="1300"/>
             </a:lvl7pPr>
             <a:lvl8pPr>
-              <a:defRPr sz="1800"/>
+              <a:defRPr sz="1300"/>
             </a:lvl8pPr>
             <a:lvl9pPr>
-              <a:defRPr sz="1800"/>
+              <a:defRPr sz="1300"/>
             </a:lvl9pPr>
           </a:lstStyle>
           <a:p>
@@ -2142,39 +2262,39 @@
         </p:nvSpPr>
         <p:spPr>
           <a:xfrm>
-            <a:off x="3486150" y="2846283"/>
-            <a:ext cx="3028950" cy="8050347"/>
+            <a:off x="4648201" y="1600201"/>
+            <a:ext cx="4038601" cy="4525963"/>
           </a:xfrm>
         </p:spPr>
         <p:txBody>
           <a:bodyPr/>
           <a:lstStyle>
             <a:lvl1pPr>
-              <a:defRPr sz="2800"/>
+              <a:defRPr sz="2100"/>
             </a:lvl1pPr>
             <a:lvl2pPr>
-              <a:defRPr sz="2400"/>
+              <a:defRPr sz="1800"/>
             </a:lvl2pPr>
             <a:lvl3pPr>
-              <a:defRPr sz="2000"/>
+              <a:defRPr sz="1500"/>
             </a:lvl3pPr>
             <a:lvl4pPr>
-              <a:defRPr sz="1800"/>
+              <a:defRPr sz="1300"/>
             </a:lvl4pPr>
             <a:lvl5pPr>
-              <a:defRPr sz="1800"/>
+              <a:defRPr sz="1300"/>
             </a:lvl5pPr>
             <a:lvl6pPr>
-              <a:defRPr sz="1800"/>
+              <a:defRPr sz="1300"/>
             </a:lvl6pPr>
             <a:lvl7pPr>
-              <a:defRPr sz="1800"/>
+              <a:defRPr sz="1300"/>
             </a:lvl7pPr>
             <a:lvl8pPr>
-              <a:defRPr sz="1800"/>
+              <a:defRPr sz="1300"/>
             </a:lvl8pPr>
             <a:lvl9pPr>
-              <a:defRPr sz="1800"/>
+              <a:defRPr sz="1300"/>
             </a:lvl9pPr>
           </a:lstStyle>
           <a:p>
@@ -2349,8 +2469,8 @@
         </p:nvSpPr>
         <p:spPr>
           <a:xfrm>
-            <a:off x="342900" y="2730511"/>
-            <a:ext cx="3030141" cy="1137947"/>
+            <a:off x="457201" y="1535113"/>
+            <a:ext cx="4040188" cy="639763"/>
           </a:xfrm>
         </p:spPr>
         <p:txBody>
@@ -2358,39 +2478,39 @@
           <a:lstStyle>
             <a:lvl1pPr marL="0" indent="0">
               <a:buNone/>
-              <a:defRPr sz="2400" b="1"/>
+              <a:defRPr sz="1800" b="1"/>
             </a:lvl1pPr>
-            <a:lvl2pPr marL="457200" indent="0">
+            <a:lvl2pPr marL="342763" indent="0">
               <a:buNone/>
-              <a:defRPr sz="2000" b="1"/>
+              <a:defRPr sz="1500" b="1"/>
             </a:lvl2pPr>
-            <a:lvl3pPr marL="914400" indent="0">
+            <a:lvl3pPr marL="685526" indent="0">
               <a:buNone/>
-              <a:defRPr sz="1800" b="1"/>
+              <a:defRPr sz="1300" b="1"/>
             </a:lvl3pPr>
-            <a:lvl4pPr marL="1371600" indent="0">
+            <a:lvl4pPr marL="1028289" indent="0">
               <a:buNone/>
-              <a:defRPr sz="1600" b="1"/>
+              <a:defRPr sz="1200" b="1"/>
             </a:lvl4pPr>
-            <a:lvl5pPr marL="1828800" indent="0">
+            <a:lvl5pPr marL="1371051" indent="0">
               <a:buNone/>
-              <a:defRPr sz="1600" b="1"/>
+              <a:defRPr sz="1200" b="1"/>
             </a:lvl5pPr>
-            <a:lvl6pPr marL="2286000" indent="0">
+            <a:lvl6pPr marL="1713814" indent="0">
               <a:buNone/>
-              <a:defRPr sz="1600" b="1"/>
+              <a:defRPr sz="1200" b="1"/>
             </a:lvl6pPr>
-            <a:lvl7pPr marL="2743200" indent="0">
+            <a:lvl7pPr marL="2056577" indent="0">
               <a:buNone/>
-              <a:defRPr sz="1600" b="1"/>
+              <a:defRPr sz="1200" b="1"/>
             </a:lvl7pPr>
-            <a:lvl8pPr marL="3200400" indent="0">
+            <a:lvl8pPr marL="2399340" indent="0">
               <a:buNone/>
-              <a:defRPr sz="1600" b="1"/>
+              <a:defRPr sz="1200" b="1"/>
             </a:lvl8pPr>
-            <a:lvl9pPr marL="3657600" indent="0">
+            <a:lvl9pPr marL="2742103" indent="0">
               <a:buNone/>
-              <a:defRPr sz="1600" b="1"/>
+              <a:defRPr sz="1200" b="1"/>
             </a:lvl9pPr>
           </a:lstStyle>
           <a:p>
@@ -2414,39 +2534,39 @@
         </p:nvSpPr>
         <p:spPr>
           <a:xfrm>
-            <a:off x="342900" y="3868458"/>
-            <a:ext cx="3030141" cy="7028171"/>
+            <a:off x="457201" y="2174876"/>
+            <a:ext cx="4040188" cy="3951288"/>
           </a:xfrm>
         </p:spPr>
         <p:txBody>
           <a:bodyPr/>
           <a:lstStyle>
             <a:lvl1pPr>
-              <a:defRPr sz="2400"/>
+              <a:defRPr sz="1800"/>
             </a:lvl1pPr>
             <a:lvl2pPr>
-              <a:defRPr sz="2000"/>
+              <a:defRPr sz="1500"/>
             </a:lvl2pPr>
             <a:lvl3pPr>
-              <a:defRPr sz="1800"/>
+              <a:defRPr sz="1300"/>
             </a:lvl3pPr>
             <a:lvl4pPr>
-              <a:defRPr sz="1600"/>
+              <a:defRPr sz="1200"/>
             </a:lvl4pPr>
             <a:lvl5pPr>
-              <a:defRPr sz="1600"/>
+              <a:defRPr sz="1200"/>
             </a:lvl5pPr>
             <a:lvl6pPr>
-              <a:defRPr sz="1600"/>
+              <a:defRPr sz="1200"/>
             </a:lvl6pPr>
             <a:lvl7pPr>
-              <a:defRPr sz="1600"/>
+              <a:defRPr sz="1200"/>
             </a:lvl7pPr>
             <a:lvl8pPr>
-              <a:defRPr sz="1600"/>
+              <a:defRPr sz="1200"/>
             </a:lvl8pPr>
             <a:lvl9pPr>
-              <a:defRPr sz="1600"/>
+              <a:defRPr sz="1200"/>
             </a:lvl9pPr>
           </a:lstStyle>
           <a:p>
@@ -2499,8 +2619,8 @@
         </p:nvSpPr>
         <p:spPr>
           <a:xfrm>
-            <a:off x="3483769" y="2730511"/>
-            <a:ext cx="3031331" cy="1137947"/>
+            <a:off x="4645027" y="1535113"/>
+            <a:ext cx="4041775" cy="639763"/>
           </a:xfrm>
         </p:spPr>
         <p:txBody>
@@ -2508,39 +2628,39 @@
           <a:lstStyle>
             <a:lvl1pPr marL="0" indent="0">
               <a:buNone/>
-              <a:defRPr sz="2400" b="1"/>
+              <a:defRPr sz="1800" b="1"/>
             </a:lvl1pPr>
-            <a:lvl2pPr marL="457200" indent="0">
+            <a:lvl2pPr marL="342763" indent="0">
               <a:buNone/>
-              <a:defRPr sz="2000" b="1"/>
+              <a:defRPr sz="1500" b="1"/>
             </a:lvl2pPr>
-            <a:lvl3pPr marL="914400" indent="0">
+            <a:lvl3pPr marL="685526" indent="0">
               <a:buNone/>
-              <a:defRPr sz="1800" b="1"/>
+              <a:defRPr sz="1300" b="1"/>
             </a:lvl3pPr>
-            <a:lvl4pPr marL="1371600" indent="0">
+            <a:lvl4pPr marL="1028289" indent="0">
               <a:buNone/>
-              <a:defRPr sz="1600" b="1"/>
+              <a:defRPr sz="1200" b="1"/>
             </a:lvl4pPr>
-            <a:lvl5pPr marL="1828800" indent="0">
+            <a:lvl5pPr marL="1371051" indent="0">
               <a:buNone/>
-              <a:defRPr sz="1600" b="1"/>
+              <a:defRPr sz="1200" b="1"/>
             </a:lvl5pPr>
-            <a:lvl6pPr marL="2286000" indent="0">
+            <a:lvl6pPr marL="1713814" indent="0">
               <a:buNone/>
-              <a:defRPr sz="1600" b="1"/>
+              <a:defRPr sz="1200" b="1"/>
             </a:lvl6pPr>
-            <a:lvl7pPr marL="2743200" indent="0">
+            <a:lvl7pPr marL="2056577" indent="0">
               <a:buNone/>
-              <a:defRPr sz="1600" b="1"/>
+              <a:defRPr sz="1200" b="1"/>
             </a:lvl7pPr>
-            <a:lvl8pPr marL="3200400" indent="0">
+            <a:lvl8pPr marL="2399340" indent="0">
               <a:buNone/>
-              <a:defRPr sz="1600" b="1"/>
+              <a:defRPr sz="1200" b="1"/>
             </a:lvl8pPr>
-            <a:lvl9pPr marL="3657600" indent="0">
+            <a:lvl9pPr marL="2742103" indent="0">
               <a:buNone/>
-              <a:defRPr sz="1600" b="1"/>
+              <a:defRPr sz="1200" b="1"/>
             </a:lvl9pPr>
           </a:lstStyle>
           <a:p>
@@ -2564,39 +2684,39 @@
         </p:nvSpPr>
         <p:spPr>
           <a:xfrm>
-            <a:off x="3483769" y="3868458"/>
-            <a:ext cx="3031331" cy="7028171"/>
+            <a:off x="4645027" y="2174876"/>
+            <a:ext cx="4041775" cy="3951288"/>
           </a:xfrm>
         </p:spPr>
         <p:txBody>
           <a:bodyPr/>
           <a:lstStyle>
             <a:lvl1pPr>
-              <a:defRPr sz="2400"/>
+              <a:defRPr sz="1800"/>
             </a:lvl1pPr>
             <a:lvl2pPr>
-              <a:defRPr sz="2000"/>
+              <a:defRPr sz="1500"/>
             </a:lvl2pPr>
             <a:lvl3pPr>
-              <a:defRPr sz="1800"/>
+              <a:defRPr sz="1300"/>
             </a:lvl3pPr>
             <a:lvl4pPr>
-              <a:defRPr sz="1600"/>
+              <a:defRPr sz="1200"/>
             </a:lvl4pPr>
             <a:lvl5pPr>
-              <a:defRPr sz="1600"/>
+              <a:defRPr sz="1200"/>
             </a:lvl5pPr>
             <a:lvl6pPr>
-              <a:defRPr sz="1600"/>
+              <a:defRPr sz="1200"/>
             </a:lvl6pPr>
             <a:lvl7pPr>
-              <a:defRPr sz="1600"/>
+              <a:defRPr sz="1200"/>
             </a:lvl7pPr>
             <a:lvl8pPr>
-              <a:defRPr sz="1600"/>
+              <a:defRPr sz="1200"/>
             </a:lvl8pPr>
             <a:lvl9pPr>
-              <a:defRPr sz="1600"/>
+              <a:defRPr sz="1200"/>
             </a:lvl9pPr>
           </a:lstStyle>
           <a:p>
@@ -2957,15 +3077,15 @@
         </p:nvSpPr>
         <p:spPr>
           <a:xfrm>
-            <a:off x="342900" y="485675"/>
-            <a:ext cx="2256235" cy="2066943"/>
+            <a:off x="457203" y="273049"/>
+            <a:ext cx="3008313" cy="1162051"/>
           </a:xfrm>
         </p:spPr>
         <p:txBody>
           <a:bodyPr anchor="b"/>
           <a:lstStyle>
             <a:lvl1pPr algn="l">
-              <a:defRPr sz="2000" b="1"/>
+              <a:defRPr sz="1500" b="1"/>
             </a:lvl1pPr>
           </a:lstStyle>
           <a:p>
@@ -2989,39 +3109,39 @@
         </p:nvSpPr>
         <p:spPr>
           <a:xfrm>
-            <a:off x="2681287" y="485676"/>
-            <a:ext cx="3833813" cy="10410954"/>
+            <a:off x="3575051" y="273053"/>
+            <a:ext cx="5111751" cy="5853113"/>
           </a:xfrm>
         </p:spPr>
         <p:txBody>
           <a:bodyPr/>
           <a:lstStyle>
             <a:lvl1pPr>
-              <a:defRPr sz="3200"/>
+              <a:defRPr sz="2400"/>
             </a:lvl1pPr>
             <a:lvl2pPr>
-              <a:defRPr sz="2800"/>
+              <a:defRPr sz="2100"/>
             </a:lvl2pPr>
             <a:lvl3pPr>
-              <a:defRPr sz="2400"/>
+              <a:defRPr sz="1800"/>
             </a:lvl3pPr>
             <a:lvl4pPr>
-              <a:defRPr sz="2000"/>
+              <a:defRPr sz="1500"/>
             </a:lvl4pPr>
             <a:lvl5pPr>
-              <a:defRPr sz="2000"/>
+              <a:defRPr sz="1500"/>
             </a:lvl5pPr>
             <a:lvl6pPr>
-              <a:defRPr sz="2000"/>
+              <a:defRPr sz="1500"/>
             </a:lvl6pPr>
             <a:lvl7pPr>
-              <a:defRPr sz="2000"/>
+              <a:defRPr sz="1500"/>
             </a:lvl7pPr>
             <a:lvl8pPr>
-              <a:defRPr sz="2000"/>
+              <a:defRPr sz="1500"/>
             </a:lvl8pPr>
             <a:lvl9pPr>
-              <a:defRPr sz="2000"/>
+              <a:defRPr sz="1500"/>
             </a:lvl9pPr>
           </a:lstStyle>
           <a:p>
@@ -3074,8 +3194,8 @@
         </p:nvSpPr>
         <p:spPr>
           <a:xfrm>
-            <a:off x="342900" y="2552619"/>
-            <a:ext cx="2256235" cy="8344011"/>
+            <a:off x="457203" y="1435103"/>
+            <a:ext cx="3008313" cy="4691063"/>
           </a:xfrm>
         </p:spPr>
         <p:txBody>
@@ -3083,39 +3203,39 @@
           <a:lstStyle>
             <a:lvl1pPr marL="0" indent="0">
               <a:buNone/>
-              <a:defRPr sz="1400"/>
+              <a:defRPr sz="1000"/>
             </a:lvl1pPr>
-            <a:lvl2pPr marL="457200" indent="0">
-              <a:buNone/>
-              <a:defRPr sz="1200"/>
-            </a:lvl2pPr>
-            <a:lvl3pPr marL="914400" indent="0">
-              <a:buNone/>
-              <a:defRPr sz="1000"/>
-            </a:lvl3pPr>
-            <a:lvl4pPr marL="1371600" indent="0">
+            <a:lvl2pPr marL="342763" indent="0">
               <a:buNone/>
               <a:defRPr sz="900"/>
+            </a:lvl2pPr>
+            <a:lvl3pPr marL="685526" indent="0">
+              <a:buNone/>
+              <a:defRPr sz="700"/>
+            </a:lvl3pPr>
+            <a:lvl4pPr marL="1028289" indent="0">
+              <a:buNone/>
+              <a:defRPr sz="700"/>
             </a:lvl4pPr>
-            <a:lvl5pPr marL="1828800" indent="0">
+            <a:lvl5pPr marL="1371051" indent="0">
               <a:buNone/>
-              <a:defRPr sz="900"/>
+              <a:defRPr sz="700"/>
             </a:lvl5pPr>
-            <a:lvl6pPr marL="2286000" indent="0">
+            <a:lvl6pPr marL="1713814" indent="0">
               <a:buNone/>
-              <a:defRPr sz="900"/>
+              <a:defRPr sz="700"/>
             </a:lvl6pPr>
-            <a:lvl7pPr marL="2743200" indent="0">
+            <a:lvl7pPr marL="2056577" indent="0">
               <a:buNone/>
-              <a:defRPr sz="900"/>
+              <a:defRPr sz="700"/>
             </a:lvl7pPr>
-            <a:lvl8pPr marL="3200400" indent="0">
+            <a:lvl8pPr marL="2399340" indent="0">
               <a:buNone/>
-              <a:defRPr sz="900"/>
+              <a:defRPr sz="700"/>
             </a:lvl8pPr>
-            <a:lvl9pPr marL="3657600" indent="0">
+            <a:lvl9pPr marL="2742103" indent="0">
               <a:buNone/>
-              <a:defRPr sz="900"/>
+              <a:defRPr sz="700"/>
             </a:lvl9pPr>
           </a:lstStyle>
           <a:p>
@@ -3234,15 +3354,15 @@
         </p:nvSpPr>
         <p:spPr>
           <a:xfrm>
-            <a:off x="1344216" y="8538845"/>
-            <a:ext cx="4114800" cy="1008059"/>
+            <a:off x="1792288" y="4800601"/>
+            <a:ext cx="5486400" cy="566739"/>
           </a:xfrm>
         </p:spPr>
         <p:txBody>
           <a:bodyPr anchor="b"/>
           <a:lstStyle>
             <a:lvl1pPr algn="l">
-              <a:defRPr sz="2000" b="1"/>
+              <a:defRPr sz="1500" b="1"/>
             </a:lvl1pPr>
           </a:lstStyle>
           <a:p>
@@ -3266,8 +3386,8 @@
         </p:nvSpPr>
         <p:spPr>
           <a:xfrm>
-            <a:off x="1344216" y="1089945"/>
-            <a:ext cx="4114800" cy="7319010"/>
+            <a:off x="1792288" y="612775"/>
+            <a:ext cx="5486400" cy="4114800"/>
           </a:xfrm>
         </p:spPr>
         <p:txBody>
@@ -3275,39 +3395,39 @@
           <a:lstStyle>
             <a:lvl1pPr marL="0" indent="0">
               <a:buNone/>
-              <a:defRPr sz="3200"/>
+              <a:defRPr sz="2400"/>
             </a:lvl1pPr>
-            <a:lvl2pPr marL="457200" indent="0">
+            <a:lvl2pPr marL="342763" indent="0">
               <a:buNone/>
-              <a:defRPr sz="2800"/>
+              <a:defRPr sz="2100"/>
             </a:lvl2pPr>
-            <a:lvl3pPr marL="914400" indent="0">
+            <a:lvl3pPr marL="685526" indent="0">
               <a:buNone/>
-              <a:defRPr sz="2400"/>
+              <a:defRPr sz="1800"/>
             </a:lvl3pPr>
-            <a:lvl4pPr marL="1371600" indent="0">
+            <a:lvl4pPr marL="1028289" indent="0">
               <a:buNone/>
-              <a:defRPr sz="2000"/>
+              <a:defRPr sz="1500"/>
             </a:lvl4pPr>
-            <a:lvl5pPr marL="1828800" indent="0">
+            <a:lvl5pPr marL="1371051" indent="0">
               <a:buNone/>
-              <a:defRPr sz="2000"/>
+              <a:defRPr sz="1500"/>
             </a:lvl5pPr>
-            <a:lvl6pPr marL="2286000" indent="0">
+            <a:lvl6pPr marL="1713814" indent="0">
               <a:buNone/>
-              <a:defRPr sz="2000"/>
+              <a:defRPr sz="1500"/>
             </a:lvl6pPr>
-            <a:lvl7pPr marL="2743200" indent="0">
+            <a:lvl7pPr marL="2056577" indent="0">
               <a:buNone/>
-              <a:defRPr sz="2000"/>
+              <a:defRPr sz="1500"/>
             </a:lvl7pPr>
-            <a:lvl8pPr marL="3200400" indent="0">
+            <a:lvl8pPr marL="2399340" indent="0">
               <a:buNone/>
-              <a:defRPr sz="2000"/>
+              <a:defRPr sz="1500"/>
             </a:lvl8pPr>
-            <a:lvl9pPr marL="3657600" indent="0">
+            <a:lvl9pPr marL="2742103" indent="0">
               <a:buNone/>
-              <a:defRPr sz="2000"/>
+              <a:defRPr sz="1500"/>
             </a:lvl9pPr>
           </a:lstStyle>
           <a:p>
@@ -3327,8 +3447,8 @@
         </p:nvSpPr>
         <p:spPr>
           <a:xfrm>
-            <a:off x="1344216" y="9546904"/>
-            <a:ext cx="4114800" cy="1431611"/>
+            <a:off x="1792288" y="5367340"/>
+            <a:ext cx="5486400" cy="804861"/>
           </a:xfrm>
         </p:spPr>
         <p:txBody>
@@ -3336,39 +3456,39 @@
           <a:lstStyle>
             <a:lvl1pPr marL="0" indent="0">
               <a:buNone/>
-              <a:defRPr sz="1400"/>
+              <a:defRPr sz="1000"/>
             </a:lvl1pPr>
-            <a:lvl2pPr marL="457200" indent="0">
-              <a:buNone/>
-              <a:defRPr sz="1200"/>
-            </a:lvl2pPr>
-            <a:lvl3pPr marL="914400" indent="0">
-              <a:buNone/>
-              <a:defRPr sz="1000"/>
-            </a:lvl3pPr>
-            <a:lvl4pPr marL="1371600" indent="0">
+            <a:lvl2pPr marL="342763" indent="0">
               <a:buNone/>
               <a:defRPr sz="900"/>
+            </a:lvl2pPr>
+            <a:lvl3pPr marL="685526" indent="0">
+              <a:buNone/>
+              <a:defRPr sz="700"/>
+            </a:lvl3pPr>
+            <a:lvl4pPr marL="1028289" indent="0">
+              <a:buNone/>
+              <a:defRPr sz="700"/>
             </a:lvl4pPr>
-            <a:lvl5pPr marL="1828800" indent="0">
+            <a:lvl5pPr marL="1371051" indent="0">
               <a:buNone/>
-              <a:defRPr sz="900"/>
+              <a:defRPr sz="700"/>
             </a:lvl5pPr>
-            <a:lvl6pPr marL="2286000" indent="0">
+            <a:lvl6pPr marL="1713814" indent="0">
               <a:buNone/>
-              <a:defRPr sz="900"/>
+              <a:defRPr sz="700"/>
             </a:lvl6pPr>
-            <a:lvl7pPr marL="2743200" indent="0">
+            <a:lvl7pPr marL="2056577" indent="0">
               <a:buNone/>
-              <a:defRPr sz="900"/>
+              <a:defRPr sz="700"/>
             </a:lvl7pPr>
-            <a:lvl8pPr marL="3200400" indent="0">
+            <a:lvl8pPr marL="2399340" indent="0">
               <a:buNone/>
-              <a:defRPr sz="900"/>
+              <a:defRPr sz="700"/>
             </a:lvl8pPr>
-            <a:lvl9pPr marL="3657600" indent="0">
+            <a:lvl9pPr marL="2742103" indent="0">
               <a:buNone/>
-              <a:defRPr sz="900"/>
+              <a:defRPr sz="700"/>
             </a:lvl9pPr>
           </a:lstStyle>
           <a:p>
@@ -3492,15 +3612,15 @@
         </p:nvSpPr>
         <p:spPr>
           <a:xfrm>
-            <a:off x="342900" y="488500"/>
-            <a:ext cx="6172200" cy="2033058"/>
+            <a:off x="457200" y="274639"/>
+            <a:ext cx="8229600" cy="1143000"/>
           </a:xfrm>
           <a:prstGeom prst="rect">
             <a:avLst/>
           </a:prstGeom>
         </p:spPr>
         <p:txBody>
-          <a:bodyPr vert="horz" lIns="91440" tIns="45720" rIns="91440" bIns="45720" rtlCol="0" anchor="ctr">
+          <a:bodyPr vert="horz" lIns="68553" tIns="34276" rIns="68553" bIns="34276" rtlCol="0" anchor="ctr">
             <a:normAutofit/>
           </a:bodyPr>
           <a:lstStyle/>
@@ -3525,15 +3645,15 @@
         </p:nvSpPr>
         <p:spPr>
           <a:xfrm>
-            <a:off x="342900" y="2846283"/>
-            <a:ext cx="6172200" cy="8050347"/>
+            <a:off x="457200" y="1600201"/>
+            <a:ext cx="8229600" cy="4525963"/>
           </a:xfrm>
           <a:prstGeom prst="rect">
             <a:avLst/>
           </a:prstGeom>
         </p:spPr>
         <p:txBody>
-          <a:bodyPr vert="horz" lIns="91440" tIns="45720" rIns="91440" bIns="45720" rtlCol="0">
+          <a:bodyPr vert="horz" lIns="68553" tIns="34276" rIns="68553" bIns="34276" rtlCol="0">
             <a:normAutofit/>
           </a:bodyPr>
           <a:lstStyle/>
@@ -3587,18 +3707,18 @@
         </p:nvSpPr>
         <p:spPr>
           <a:xfrm>
-            <a:off x="342900" y="11306064"/>
-            <a:ext cx="1600200" cy="649449"/>
+            <a:off x="457200" y="6356352"/>
+            <a:ext cx="2133600" cy="365125"/>
           </a:xfrm>
           <a:prstGeom prst="rect">
             <a:avLst/>
           </a:prstGeom>
         </p:spPr>
         <p:txBody>
-          <a:bodyPr vert="horz" lIns="91440" tIns="45720" rIns="91440" bIns="45720" rtlCol="0" anchor="ctr"/>
+          <a:bodyPr vert="horz" lIns="68553" tIns="34276" rIns="68553" bIns="34276" rtlCol="0" anchor="ctr"/>
           <a:lstStyle>
             <a:lvl1pPr algn="l">
-              <a:defRPr sz="1200">
+              <a:defRPr sz="900">
                 <a:solidFill>
                   <a:schemeClr val="tx1">
                     <a:tint val="75000"/>
@@ -3628,18 +3748,18 @@
         </p:nvSpPr>
         <p:spPr>
           <a:xfrm>
-            <a:off x="2343150" y="11306064"/>
-            <a:ext cx="2171700" cy="649449"/>
+            <a:off x="3124201" y="6356352"/>
+            <a:ext cx="2895600" cy="365125"/>
           </a:xfrm>
           <a:prstGeom prst="rect">
             <a:avLst/>
           </a:prstGeom>
         </p:spPr>
         <p:txBody>
-          <a:bodyPr vert="horz" lIns="91440" tIns="45720" rIns="91440" bIns="45720" rtlCol="0" anchor="ctr"/>
+          <a:bodyPr vert="horz" lIns="68553" tIns="34276" rIns="68553" bIns="34276" rtlCol="0" anchor="ctr"/>
           <a:lstStyle>
             <a:lvl1pPr algn="ctr">
-              <a:defRPr sz="1200">
+              <a:defRPr sz="900">
                 <a:solidFill>
                   <a:schemeClr val="tx1">
                     <a:tint val="75000"/>
@@ -3665,18 +3785,18 @@
         </p:nvSpPr>
         <p:spPr>
           <a:xfrm>
-            <a:off x="4914900" y="11306064"/>
-            <a:ext cx="1600200" cy="649449"/>
+            <a:off x="6553200" y="6356352"/>
+            <a:ext cx="2133600" cy="365125"/>
           </a:xfrm>
           <a:prstGeom prst="rect">
             <a:avLst/>
           </a:prstGeom>
         </p:spPr>
         <p:txBody>
-          <a:bodyPr vert="horz" lIns="91440" tIns="45720" rIns="91440" bIns="45720" rtlCol="0" anchor="ctr"/>
+          <a:bodyPr vert="horz" lIns="68553" tIns="34276" rIns="68553" bIns="34276" rtlCol="0" anchor="ctr"/>
           <a:lstStyle>
             <a:lvl1pPr algn="r">
-              <a:defRPr sz="1200">
+              <a:defRPr sz="900">
                 <a:solidFill>
                   <a:schemeClr val="tx1">
                     <a:tint val="75000"/>
@@ -3717,12 +3837,12 @@
   </p:sldLayoutIdLst>
   <p:txStyles>
     <p:titleStyle>
-      <a:lvl1pPr algn="ctr" defTabSz="457200" rtl="0" eaLnBrk="1" latinLnBrk="0" hangingPunct="1">
+      <a:lvl1pPr algn="ctr" defTabSz="342763" rtl="0" eaLnBrk="1" latinLnBrk="0" hangingPunct="1">
         <a:spcBef>
           <a:spcPct val="0"/>
         </a:spcBef>
         <a:buNone/>
-        <a:defRPr sz="4400" kern="1200">
+        <a:defRPr sz="3300" kern="1200">
           <a:solidFill>
             <a:schemeClr val="tx1"/>
           </a:solidFill>
@@ -3733,37 +3853,7 @@
       </a:lvl1pPr>
     </p:titleStyle>
     <p:bodyStyle>
-      <a:lvl1pPr marL="342900" indent="-342900" algn="l" defTabSz="457200" rtl="0" eaLnBrk="1" latinLnBrk="0" hangingPunct="1">
-        <a:spcBef>
-          <a:spcPct val="20000"/>
-        </a:spcBef>
-        <a:buFont typeface="Arial"/>
-        <a:buChar char="•"/>
-        <a:defRPr sz="3200" kern="1200">
-          <a:solidFill>
-            <a:schemeClr val="tx1"/>
-          </a:solidFill>
-          <a:latin typeface="+mn-lt"/>
-          <a:ea typeface="+mn-ea"/>
-          <a:cs typeface="+mn-cs"/>
-        </a:defRPr>
-      </a:lvl1pPr>
-      <a:lvl2pPr marL="742950" indent="-285750" algn="l" defTabSz="457200" rtl="0" eaLnBrk="1" latinLnBrk="0" hangingPunct="1">
-        <a:spcBef>
-          <a:spcPct val="20000"/>
-        </a:spcBef>
-        <a:buFont typeface="Arial"/>
-        <a:buChar char="–"/>
-        <a:defRPr sz="2800" kern="1200">
-          <a:solidFill>
-            <a:schemeClr val="tx1"/>
-          </a:solidFill>
-          <a:latin typeface="+mn-lt"/>
-          <a:ea typeface="+mn-ea"/>
-          <a:cs typeface="+mn-cs"/>
-        </a:defRPr>
-      </a:lvl2pPr>
-      <a:lvl3pPr marL="1143000" indent="-228600" algn="l" defTabSz="457200" rtl="0" eaLnBrk="1" latinLnBrk="0" hangingPunct="1">
+      <a:lvl1pPr marL="257072" indent="-257072" algn="l" defTabSz="342763" rtl="0" eaLnBrk="1" latinLnBrk="0" hangingPunct="1">
         <a:spcBef>
           <a:spcPct val="20000"/>
         </a:spcBef>
@@ -3777,14 +3867,44 @@
           <a:ea typeface="+mn-ea"/>
           <a:cs typeface="+mn-cs"/>
         </a:defRPr>
-      </a:lvl3pPr>
-      <a:lvl4pPr marL="1600200" indent="-228600" algn="l" defTabSz="457200" rtl="0" eaLnBrk="1" latinLnBrk="0" hangingPunct="1">
+      </a:lvl1pPr>
+      <a:lvl2pPr marL="556990" indent="-214227" algn="l" defTabSz="342763" rtl="0" eaLnBrk="1" latinLnBrk="0" hangingPunct="1">
         <a:spcBef>
           <a:spcPct val="20000"/>
         </a:spcBef>
         <a:buFont typeface="Arial"/>
         <a:buChar char="–"/>
-        <a:defRPr sz="2000" kern="1200">
+        <a:defRPr sz="2100" kern="1200">
+          <a:solidFill>
+            <a:schemeClr val="tx1"/>
+          </a:solidFill>
+          <a:latin typeface="+mn-lt"/>
+          <a:ea typeface="+mn-ea"/>
+          <a:cs typeface="+mn-cs"/>
+        </a:defRPr>
+      </a:lvl2pPr>
+      <a:lvl3pPr marL="856907" indent="-171381" algn="l" defTabSz="342763" rtl="0" eaLnBrk="1" latinLnBrk="0" hangingPunct="1">
+        <a:spcBef>
+          <a:spcPct val="20000"/>
+        </a:spcBef>
+        <a:buFont typeface="Arial"/>
+        <a:buChar char="•"/>
+        <a:defRPr sz="1800" kern="1200">
+          <a:solidFill>
+            <a:schemeClr val="tx1"/>
+          </a:solidFill>
+          <a:latin typeface="+mn-lt"/>
+          <a:ea typeface="+mn-ea"/>
+          <a:cs typeface="+mn-cs"/>
+        </a:defRPr>
+      </a:lvl3pPr>
+      <a:lvl4pPr marL="1199670" indent="-171381" algn="l" defTabSz="342763" rtl="0" eaLnBrk="1" latinLnBrk="0" hangingPunct="1">
+        <a:spcBef>
+          <a:spcPct val="20000"/>
+        </a:spcBef>
+        <a:buFont typeface="Arial"/>
+        <a:buChar char="–"/>
+        <a:defRPr sz="1500" kern="1200">
           <a:solidFill>
             <a:schemeClr val="tx1"/>
           </a:solidFill>
@@ -3793,13 +3913,13 @@
           <a:cs typeface="+mn-cs"/>
         </a:defRPr>
       </a:lvl4pPr>
-      <a:lvl5pPr marL="2057400" indent="-228600" algn="l" defTabSz="457200" rtl="0" eaLnBrk="1" latinLnBrk="0" hangingPunct="1">
+      <a:lvl5pPr marL="1542433" indent="-171381" algn="l" defTabSz="342763" rtl="0" eaLnBrk="1" latinLnBrk="0" hangingPunct="1">
         <a:spcBef>
           <a:spcPct val="20000"/>
         </a:spcBef>
         <a:buFont typeface="Arial"/>
         <a:buChar char="»"/>
-        <a:defRPr sz="2000" kern="1200">
+        <a:defRPr sz="1500" kern="1200">
           <a:solidFill>
             <a:schemeClr val="tx1"/>
           </a:solidFill>
@@ -3808,13 +3928,13 @@
           <a:cs typeface="+mn-cs"/>
         </a:defRPr>
       </a:lvl5pPr>
-      <a:lvl6pPr marL="2514600" indent="-228600" algn="l" defTabSz="457200" rtl="0" eaLnBrk="1" latinLnBrk="0" hangingPunct="1">
+      <a:lvl6pPr marL="1885196" indent="-171381" algn="l" defTabSz="342763" rtl="0" eaLnBrk="1" latinLnBrk="0" hangingPunct="1">
         <a:spcBef>
           <a:spcPct val="20000"/>
         </a:spcBef>
         <a:buFont typeface="Arial"/>
         <a:buChar char="•"/>
-        <a:defRPr sz="2000" kern="1200">
+        <a:defRPr sz="1500" kern="1200">
           <a:solidFill>
             <a:schemeClr val="tx1"/>
           </a:solidFill>
@@ -3823,13 +3943,13 @@
           <a:cs typeface="+mn-cs"/>
         </a:defRPr>
       </a:lvl6pPr>
-      <a:lvl7pPr marL="2971800" indent="-228600" algn="l" defTabSz="457200" rtl="0" eaLnBrk="1" latinLnBrk="0" hangingPunct="1">
+      <a:lvl7pPr marL="2227958" indent="-171381" algn="l" defTabSz="342763" rtl="0" eaLnBrk="1" latinLnBrk="0" hangingPunct="1">
         <a:spcBef>
           <a:spcPct val="20000"/>
         </a:spcBef>
         <a:buFont typeface="Arial"/>
         <a:buChar char="•"/>
-        <a:defRPr sz="2000" kern="1200">
+        <a:defRPr sz="1500" kern="1200">
           <a:solidFill>
             <a:schemeClr val="tx1"/>
           </a:solidFill>
@@ -3838,13 +3958,13 @@
           <a:cs typeface="+mn-cs"/>
         </a:defRPr>
       </a:lvl7pPr>
-      <a:lvl8pPr marL="3429000" indent="-228600" algn="l" defTabSz="457200" rtl="0" eaLnBrk="1" latinLnBrk="0" hangingPunct="1">
+      <a:lvl8pPr marL="2570721" indent="-171381" algn="l" defTabSz="342763" rtl="0" eaLnBrk="1" latinLnBrk="0" hangingPunct="1">
         <a:spcBef>
           <a:spcPct val="20000"/>
         </a:spcBef>
         <a:buFont typeface="Arial"/>
         <a:buChar char="•"/>
-        <a:defRPr sz="2000" kern="1200">
+        <a:defRPr sz="1500" kern="1200">
           <a:solidFill>
             <a:schemeClr val="tx1"/>
           </a:solidFill>
@@ -3853,13 +3973,13 @@
           <a:cs typeface="+mn-cs"/>
         </a:defRPr>
       </a:lvl8pPr>
-      <a:lvl9pPr marL="3886200" indent="-228600" algn="l" defTabSz="457200" rtl="0" eaLnBrk="1" latinLnBrk="0" hangingPunct="1">
+      <a:lvl9pPr marL="2913484" indent="-171381" algn="l" defTabSz="342763" rtl="0" eaLnBrk="1" latinLnBrk="0" hangingPunct="1">
         <a:spcBef>
           <a:spcPct val="20000"/>
         </a:spcBef>
         <a:buFont typeface="Arial"/>
         <a:buChar char="•"/>
-        <a:defRPr sz="2000" kern="1200">
+        <a:defRPr sz="1500" kern="1200">
           <a:solidFill>
             <a:schemeClr val="tx1"/>
           </a:solidFill>
@@ -3873,8 +3993,8 @@
       <a:defPPr>
         <a:defRPr lang="en-US"/>
       </a:defPPr>
-      <a:lvl1pPr marL="0" algn="l" defTabSz="457200" rtl="0" eaLnBrk="1" latinLnBrk="0" hangingPunct="1">
-        <a:defRPr sz="1800" kern="1200">
+      <a:lvl1pPr marL="0" algn="l" defTabSz="342763" rtl="0" eaLnBrk="1" latinLnBrk="0" hangingPunct="1">
+        <a:defRPr sz="1300" kern="1200">
           <a:solidFill>
             <a:schemeClr val="tx1"/>
           </a:solidFill>
@@ -3883,8 +4003,8 @@
           <a:cs typeface="+mn-cs"/>
         </a:defRPr>
       </a:lvl1pPr>
-      <a:lvl2pPr marL="457200" algn="l" defTabSz="457200" rtl="0" eaLnBrk="1" latinLnBrk="0" hangingPunct="1">
-        <a:defRPr sz="1800" kern="1200">
+      <a:lvl2pPr marL="342763" algn="l" defTabSz="342763" rtl="0" eaLnBrk="1" latinLnBrk="0" hangingPunct="1">
+        <a:defRPr sz="1300" kern="1200">
           <a:solidFill>
             <a:schemeClr val="tx1"/>
           </a:solidFill>
@@ -3893,8 +4013,8 @@
           <a:cs typeface="+mn-cs"/>
         </a:defRPr>
       </a:lvl2pPr>
-      <a:lvl3pPr marL="914400" algn="l" defTabSz="457200" rtl="0" eaLnBrk="1" latinLnBrk="0" hangingPunct="1">
-        <a:defRPr sz="1800" kern="1200">
+      <a:lvl3pPr marL="685526" algn="l" defTabSz="342763" rtl="0" eaLnBrk="1" latinLnBrk="0" hangingPunct="1">
+        <a:defRPr sz="1300" kern="1200">
           <a:solidFill>
             <a:schemeClr val="tx1"/>
           </a:solidFill>
@@ -3903,8 +4023,8 @@
           <a:cs typeface="+mn-cs"/>
         </a:defRPr>
       </a:lvl3pPr>
-      <a:lvl4pPr marL="1371600" algn="l" defTabSz="457200" rtl="0" eaLnBrk="1" latinLnBrk="0" hangingPunct="1">
-        <a:defRPr sz="1800" kern="1200">
+      <a:lvl4pPr marL="1028289" algn="l" defTabSz="342763" rtl="0" eaLnBrk="1" latinLnBrk="0" hangingPunct="1">
+        <a:defRPr sz="1300" kern="1200">
           <a:solidFill>
             <a:schemeClr val="tx1"/>
           </a:solidFill>
@@ -3913,8 +4033,8 @@
           <a:cs typeface="+mn-cs"/>
         </a:defRPr>
       </a:lvl4pPr>
-      <a:lvl5pPr marL="1828800" algn="l" defTabSz="457200" rtl="0" eaLnBrk="1" latinLnBrk="0" hangingPunct="1">
-        <a:defRPr sz="1800" kern="1200">
+      <a:lvl5pPr marL="1371051" algn="l" defTabSz="342763" rtl="0" eaLnBrk="1" latinLnBrk="0" hangingPunct="1">
+        <a:defRPr sz="1300" kern="1200">
           <a:solidFill>
             <a:schemeClr val="tx1"/>
           </a:solidFill>
@@ -3923,8 +4043,8 @@
           <a:cs typeface="+mn-cs"/>
         </a:defRPr>
       </a:lvl5pPr>
-      <a:lvl6pPr marL="2286000" algn="l" defTabSz="457200" rtl="0" eaLnBrk="1" latinLnBrk="0" hangingPunct="1">
-        <a:defRPr sz="1800" kern="1200">
+      <a:lvl6pPr marL="1713814" algn="l" defTabSz="342763" rtl="0" eaLnBrk="1" latinLnBrk="0" hangingPunct="1">
+        <a:defRPr sz="1300" kern="1200">
           <a:solidFill>
             <a:schemeClr val="tx1"/>
           </a:solidFill>
@@ -3933,8 +4053,8 @@
           <a:cs typeface="+mn-cs"/>
         </a:defRPr>
       </a:lvl6pPr>
-      <a:lvl7pPr marL="2743200" algn="l" defTabSz="457200" rtl="0" eaLnBrk="1" latinLnBrk="0" hangingPunct="1">
-        <a:defRPr sz="1800" kern="1200">
+      <a:lvl7pPr marL="2056577" algn="l" defTabSz="342763" rtl="0" eaLnBrk="1" latinLnBrk="0" hangingPunct="1">
+        <a:defRPr sz="1300" kern="1200">
           <a:solidFill>
             <a:schemeClr val="tx1"/>
           </a:solidFill>
@@ -3943,8 +4063,8 @@
           <a:cs typeface="+mn-cs"/>
         </a:defRPr>
       </a:lvl7pPr>
-      <a:lvl8pPr marL="3200400" algn="l" defTabSz="457200" rtl="0" eaLnBrk="1" latinLnBrk="0" hangingPunct="1">
-        <a:defRPr sz="1800" kern="1200">
+      <a:lvl8pPr marL="2399340" algn="l" defTabSz="342763" rtl="0" eaLnBrk="1" latinLnBrk="0" hangingPunct="1">
+        <a:defRPr sz="1300" kern="1200">
           <a:solidFill>
             <a:schemeClr val="tx1"/>
           </a:solidFill>
@@ -3953,8 +4073,8 @@
           <a:cs typeface="+mn-cs"/>
         </a:defRPr>
       </a:lvl8pPr>
-      <a:lvl9pPr marL="3657600" algn="l" defTabSz="457200" rtl="0" eaLnBrk="1" latinLnBrk="0" hangingPunct="1">
-        <a:defRPr sz="1800" kern="1200">
+      <a:lvl9pPr marL="2742103" algn="l" defTabSz="342763" rtl="0" eaLnBrk="1" latinLnBrk="0" hangingPunct="1">
+        <a:defRPr sz="1300" kern="1200">
           <a:solidFill>
             <a:schemeClr val="tx1"/>
           </a:solidFill>
@@ -3987,7 +4107,7 @@
       </p:grpSpPr>
       <p:pic>
         <p:nvPicPr>
-          <p:cNvPr id="2" name="Picture 1" descr="polaroid-picture.png"/>
+          <p:cNvPr id="2" name="Picture 1" descr="1.png"/>
           <p:cNvPicPr>
             <a:picLocks noChangeAspect="1"/>
           </p:cNvPicPr>
@@ -4007,8 +4127,8 @@
         </p:blipFill>
         <p:spPr>
           <a:xfrm>
-            <a:off x="-31036" y="1734878"/>
-            <a:ext cx="6889036" cy="6889036"/>
+            <a:off x="4648003" y="0"/>
+            <a:ext cx="3855697" cy="6858000"/>
           </a:xfrm>
           <a:prstGeom prst="rect">
             <a:avLst/>
@@ -4023,8 +4143,8 @@
         </p:nvSpPr>
         <p:spPr>
           <a:xfrm>
-            <a:off x="1610914" y="7156365"/>
-            <a:ext cx="3810430" cy="769441"/>
+            <a:off x="365325" y="260926"/>
+            <a:ext cx="3374908" cy="1938992"/>
           </a:xfrm>
           <a:prstGeom prst="rect">
             <a:avLst/>
@@ -4037,102 +4157,240 @@
           </a:bodyPr>
           <a:lstStyle/>
           <a:p>
-            <a:pPr algn="ctr"/>
-            <a:r>
-              <a:rPr lang="en-US" sz="4400" b="1" dirty="0" smtClean="0">
+            <a:r>
+              <a:rPr lang="en-US" sz="6000" dirty="0" smtClean="0">
+                <a:latin typeface="Quicksand Dash Regular"/>
+                <a:cs typeface="Quicksand Dash Regular"/>
+              </a:rPr>
+              <a:t>Main Page</a:t>
+            </a:r>
+            <a:endParaRPr lang="en-US" sz="6000" dirty="0">
+              <a:latin typeface="Quicksand Dash Regular"/>
+              <a:cs typeface="Quicksand Dash Regular"/>
+            </a:endParaRPr>
+          </a:p>
+        </p:txBody>
+      </p:sp>
+      <p:cxnSp>
+        <p:nvCxnSpPr>
+          <p:cNvPr id="5" name="Straight Arrow Connector 4"/>
+          <p:cNvCxnSpPr/>
+          <p:nvPr/>
+        </p:nvCxnSpPr>
+        <p:spPr>
+          <a:xfrm flipH="1">
+            <a:off x="2713844" y="487062"/>
+            <a:ext cx="2400707" cy="2400517"/>
+          </a:xfrm>
+          <a:prstGeom prst="straightConnector1">
+            <a:avLst/>
+          </a:prstGeom>
+          <a:ln w="76200" cmpd="sng">
+            <a:solidFill>
+              <a:schemeClr val="tx1"/>
+            </a:solidFill>
+            <a:tailEnd type="arrow"/>
+          </a:ln>
+          <a:effectLst/>
+        </p:spPr>
+        <p:style>
+          <a:lnRef idx="2">
+            <a:schemeClr val="accent1"/>
+          </a:lnRef>
+          <a:fillRef idx="0">
+            <a:schemeClr val="accent1"/>
+          </a:fillRef>
+          <a:effectRef idx="1">
+            <a:schemeClr val="accent1"/>
+          </a:effectRef>
+          <a:fontRef idx="minor">
+            <a:schemeClr val="tx1"/>
+          </a:fontRef>
+        </p:style>
+      </p:cxnSp>
+      <p:cxnSp>
+        <p:nvCxnSpPr>
+          <p:cNvPr id="10" name="Straight Arrow Connector 9"/>
+          <p:cNvCxnSpPr/>
+          <p:nvPr/>
+        </p:nvCxnSpPr>
+        <p:spPr>
+          <a:xfrm flipH="1">
+            <a:off x="2713844" y="487062"/>
+            <a:ext cx="5336537" cy="3635566"/>
+          </a:xfrm>
+          <a:prstGeom prst="straightConnector1">
+            <a:avLst/>
+          </a:prstGeom>
+          <a:ln w="76200" cmpd="sng">
+            <a:solidFill>
+              <a:schemeClr val="tx1"/>
+            </a:solidFill>
+            <a:tailEnd type="arrow"/>
+          </a:ln>
+          <a:effectLst/>
+        </p:spPr>
+        <p:style>
+          <a:lnRef idx="2">
+            <a:schemeClr val="accent1"/>
+          </a:lnRef>
+          <a:fillRef idx="0">
+            <a:schemeClr val="accent1"/>
+          </a:fillRef>
+          <a:effectRef idx="1">
+            <a:schemeClr val="accent1"/>
+          </a:effectRef>
+          <a:fontRef idx="minor">
+            <a:schemeClr val="tx1"/>
+          </a:fontRef>
+        </p:style>
+      </p:cxnSp>
+      <p:cxnSp>
+        <p:nvCxnSpPr>
+          <p:cNvPr id="11" name="Straight Arrow Connector 10"/>
+          <p:cNvCxnSpPr/>
+          <p:nvPr/>
+        </p:nvCxnSpPr>
+        <p:spPr>
+          <a:xfrm>
+            <a:off x="6899626" y="5423102"/>
+            <a:ext cx="1492938" cy="0"/>
+          </a:xfrm>
+          <a:prstGeom prst="straightConnector1">
+            <a:avLst/>
+          </a:prstGeom>
+          <a:ln w="76200" cmpd="sng">
+            <a:solidFill>
+              <a:schemeClr val="tx1"/>
+            </a:solidFill>
+            <a:tailEnd type="arrow"/>
+          </a:ln>
+          <a:effectLst/>
+        </p:spPr>
+        <p:style>
+          <a:lnRef idx="2">
+            <a:schemeClr val="accent1"/>
+          </a:lnRef>
+          <a:fillRef idx="0">
+            <a:schemeClr val="accent1"/>
+          </a:fillRef>
+          <a:effectRef idx="1">
+            <a:schemeClr val="accent1"/>
+          </a:effectRef>
+          <a:fontRef idx="minor">
+            <a:schemeClr val="tx1"/>
+          </a:fontRef>
+        </p:style>
+      </p:cxnSp>
+      <p:cxnSp>
+        <p:nvCxnSpPr>
+          <p:cNvPr id="12" name="Straight Arrow Connector 11"/>
+          <p:cNvCxnSpPr/>
+          <p:nvPr/>
+        </p:nvCxnSpPr>
+        <p:spPr>
+          <a:xfrm flipH="1">
+            <a:off x="4520482" y="5462047"/>
+            <a:ext cx="1492938" cy="0"/>
+          </a:xfrm>
+          <a:prstGeom prst="straightConnector1">
+            <a:avLst/>
+          </a:prstGeom>
+          <a:ln w="76200" cmpd="sng">
+            <a:solidFill>
+              <a:schemeClr val="tx1"/>
+            </a:solidFill>
+            <a:tailEnd type="arrow"/>
+          </a:ln>
+          <a:effectLst/>
+        </p:spPr>
+        <p:style>
+          <a:lnRef idx="2">
+            <a:schemeClr val="accent1"/>
+          </a:lnRef>
+          <a:fillRef idx="0">
+            <a:schemeClr val="accent1"/>
+          </a:fillRef>
+          <a:effectRef idx="1">
+            <a:schemeClr val="accent1"/>
+          </a:effectRef>
+          <a:fontRef idx="minor">
+            <a:schemeClr val="tx1"/>
+          </a:fontRef>
+        </p:style>
+      </p:cxnSp>
+      <p:sp>
+        <p:nvSpPr>
+          <p:cNvPr id="16" name="TextBox 15"/>
+          <p:cNvSpPr txBox="1"/>
+          <p:nvPr/>
+        </p:nvSpPr>
+        <p:spPr>
+          <a:xfrm>
+            <a:off x="643668" y="2595191"/>
+            <a:ext cx="1886875" cy="584776"/>
+          </a:xfrm>
+          <a:prstGeom prst="rect">
+            <a:avLst/>
+          </a:prstGeom>
+          <a:noFill/>
+        </p:spPr>
+        <p:txBody>
+          <a:bodyPr wrap="none" rtlCol="0">
+            <a:spAutoFit/>
+          </a:bodyPr>
+          <a:lstStyle/>
+          <a:p>
+            <a:r>
+              <a:rPr lang="en-US" sz="3200" dirty="0" smtClean="0">
                 <a:latin typeface="Quicksand Bold"/>
                 <a:cs typeface="Quicksand Bold"/>
               </a:rPr>
-              <a:t>Fluffy</a:t>
-            </a:r>
-            <a:endParaRPr lang="en-US" sz="4400" b="1" dirty="0">
+              <a:t>Matches</a:t>
+            </a:r>
+            <a:endParaRPr lang="en-US" sz="3200" dirty="0">
               <a:latin typeface="Quicksand Bold"/>
               <a:cs typeface="Quicksand Bold"/>
             </a:endParaRPr>
           </a:p>
         </p:txBody>
       </p:sp>
-      <p:grpSp>
-        <p:nvGrpSpPr>
-          <p:cNvPr id="6" name="Group 5"/>
-          <p:cNvGrpSpPr/>
+      <p:sp>
+        <p:nvSpPr>
+          <p:cNvPr id="17" name="TextBox 16"/>
+          <p:cNvSpPr txBox="1"/>
           <p:nvPr/>
-        </p:nvGrpSpPr>
-        <p:grpSpPr>
+        </p:nvSpPr>
+        <p:spPr>
           <a:xfrm>
-            <a:off x="1610914" y="292706"/>
-            <a:ext cx="3438680" cy="1195363"/>
-            <a:chOff x="433708" y="292706"/>
-            <a:chExt cx="3438680" cy="1195363"/>
-          </a:xfrm>
-        </p:grpSpPr>
-        <p:pic>
-          <p:nvPicPr>
-            <p:cNvPr id="4" name="Picture 3"/>
-            <p:cNvPicPr>
-              <a:picLocks noChangeAspect="1"/>
-            </p:cNvPicPr>
-            <p:nvPr/>
-          </p:nvPicPr>
-          <p:blipFill>
-            <a:blip r:embed="rId4"/>
-            <a:stretch>
-              <a:fillRect/>
-            </a:stretch>
-          </p:blipFill>
-          <p:spPr>
-            <a:xfrm>
-              <a:off x="433708" y="292706"/>
-              <a:ext cx="1177206" cy="1195363"/>
-            </a:xfrm>
-            <a:prstGeom prst="rect">
-              <a:avLst/>
-            </a:prstGeom>
-          </p:spPr>
-        </p:pic>
-        <p:sp>
-          <p:nvSpPr>
-            <p:cNvPr id="5" name="TextBox 4"/>
-            <p:cNvSpPr txBox="1"/>
-            <p:nvPr/>
-          </p:nvSpPr>
-          <p:spPr>
-            <a:xfrm>
-              <a:off x="1610914" y="526659"/>
-              <a:ext cx="2261474" cy="830997"/>
-            </a:xfrm>
-            <a:prstGeom prst="rect">
-              <a:avLst/>
-            </a:prstGeom>
-            <a:noFill/>
-          </p:spPr>
-          <p:txBody>
-            <a:bodyPr wrap="square" rtlCol="0">
-              <a:spAutoFit/>
-            </a:bodyPr>
-            <a:lstStyle/>
-            <a:p>
-              <a:r>
-                <a:rPr lang="en-US" sz="4800" dirty="0" err="1" smtClean="0">
-                  <a:solidFill>
-                    <a:srgbClr val="E62E24"/>
-                  </a:solidFill>
-                  <a:latin typeface="Quicksand Bold"/>
-                  <a:cs typeface="Quicksand Bold"/>
-                </a:rPr>
-                <a:t>pinder</a:t>
-              </a:r>
-              <a:endParaRPr lang="en-US" sz="4800" dirty="0">
-                <a:solidFill>
-                  <a:srgbClr val="E62E24"/>
-                </a:solidFill>
+            <a:off x="643668" y="3830240"/>
+            <a:ext cx="1876205" cy="584776"/>
+          </a:xfrm>
+          <a:prstGeom prst="rect">
+            <a:avLst/>
+          </a:prstGeom>
+          <a:noFill/>
+        </p:spPr>
+        <p:txBody>
+          <a:bodyPr wrap="none" rtlCol="0">
+            <a:spAutoFit/>
+          </a:bodyPr>
+          <a:lstStyle/>
+          <a:p>
+            <a:r>
+              <a:rPr lang="en-US" sz="3200" dirty="0" smtClean="0">
                 <a:latin typeface="Quicksand Bold"/>
                 <a:cs typeface="Quicksand Bold"/>
-              </a:endParaRPr>
-            </a:p>
-          </p:txBody>
-        </p:sp>
-      </p:grpSp>
+              </a:rPr>
+              <a:t>Settings</a:t>
+            </a:r>
+            <a:endParaRPr lang="en-US" sz="3200" dirty="0">
+              <a:latin typeface="Quicksand Bold"/>
+              <a:cs typeface="Quicksand Bold"/>
+            </a:endParaRPr>
+          </a:p>
+        </p:txBody>
+      </p:sp>
     </p:spTree>
     <p:extLst>
       <p:ext uri="{BB962C8B-B14F-4D97-AF65-F5344CB8AC3E}">
@@ -4170,16 +4428,237 @@
           <a:chExt cx="0" cy="0"/>
         </a:xfrm>
       </p:grpSpPr>
+      <p:sp>
+        <p:nvSpPr>
+          <p:cNvPr id="3" name="TextBox 2"/>
+          <p:cNvSpPr txBox="1"/>
+          <p:nvPr/>
+        </p:nvSpPr>
+        <p:spPr>
+          <a:xfrm>
+            <a:off x="365325" y="260926"/>
+            <a:ext cx="3374908" cy="1938992"/>
+          </a:xfrm>
+          <a:prstGeom prst="rect">
+            <a:avLst/>
+          </a:prstGeom>
+          <a:noFill/>
+        </p:spPr>
+        <p:txBody>
+          <a:bodyPr wrap="square" rtlCol="0">
+            <a:spAutoFit/>
+          </a:bodyPr>
+          <a:lstStyle/>
+          <a:p>
+            <a:r>
+              <a:rPr lang="en-US" sz="6000" dirty="0" smtClean="0">
+                <a:latin typeface="Quicksand Dash Regular"/>
+                <a:cs typeface="Quicksand Dash Regular"/>
+              </a:rPr>
+              <a:t>Login Page</a:t>
+            </a:r>
+            <a:endParaRPr lang="en-US" sz="6000" dirty="0">
+              <a:latin typeface="Quicksand Dash Regular"/>
+              <a:cs typeface="Quicksand Dash Regular"/>
+            </a:endParaRPr>
+          </a:p>
+        </p:txBody>
+      </p:sp>
+      <p:pic>
+        <p:nvPicPr>
+          <p:cNvPr id="4" name="Picture 3" descr="2.png"/>
+          <p:cNvPicPr>
+            <a:picLocks noChangeAspect="1"/>
+          </p:cNvPicPr>
+          <p:nvPr/>
+        </p:nvPicPr>
+        <p:blipFill>
+          <a:blip r:embed="rId3">
+            <a:extLst>
+              <a:ext uri="{28A0092B-C50C-407E-A947-70E740481C1C}">
+                <a14:useLocalDpi xmlns:a14="http://schemas.microsoft.com/office/drawing/2010/main" val="0"/>
+              </a:ext>
+            </a:extLst>
+          </a:blip>
+          <a:stretch>
+            <a:fillRect/>
+          </a:stretch>
+        </p:blipFill>
+        <p:spPr>
+          <a:xfrm>
+            <a:off x="4421850" y="0"/>
+            <a:ext cx="3855697" cy="6858000"/>
+          </a:xfrm>
+          <a:prstGeom prst="rect">
+            <a:avLst/>
+          </a:prstGeom>
+        </p:spPr>
+      </p:pic>
+      <p:cxnSp>
+        <p:nvCxnSpPr>
+          <p:cNvPr id="5" name="Straight Arrow Connector 4"/>
+          <p:cNvCxnSpPr>
+            <a:endCxn id="17" idx="3"/>
+          </p:cNvCxnSpPr>
+          <p:nvPr/>
+        </p:nvCxnSpPr>
+        <p:spPr>
+          <a:xfrm flipH="1" flipV="1">
+            <a:off x="2978962" y="4122628"/>
+            <a:ext cx="1857250" cy="1113284"/>
+          </a:xfrm>
+          <a:prstGeom prst="straightConnector1">
+            <a:avLst/>
+          </a:prstGeom>
+          <a:ln w="76200" cmpd="sng">
+            <a:solidFill>
+              <a:schemeClr val="tx1"/>
+            </a:solidFill>
+            <a:tailEnd type="arrow"/>
+          </a:ln>
+          <a:effectLst/>
+        </p:spPr>
+        <p:style>
+          <a:lnRef idx="2">
+            <a:schemeClr val="accent1"/>
+          </a:lnRef>
+          <a:fillRef idx="0">
+            <a:schemeClr val="accent1"/>
+          </a:fillRef>
+          <a:effectRef idx="1">
+            <a:schemeClr val="accent1"/>
+          </a:effectRef>
+          <a:fontRef idx="minor">
+            <a:schemeClr val="tx1"/>
+          </a:fontRef>
+        </p:style>
+      </p:cxnSp>
+      <p:cxnSp>
+        <p:nvCxnSpPr>
+          <p:cNvPr id="10" name="Straight Arrow Connector 9"/>
+          <p:cNvCxnSpPr/>
+          <p:nvPr/>
+        </p:nvCxnSpPr>
+        <p:spPr>
+          <a:xfrm flipH="1" flipV="1">
+            <a:off x="2519873" y="2887579"/>
+            <a:ext cx="4560476" cy="2348334"/>
+          </a:xfrm>
+          <a:prstGeom prst="straightConnector1">
+            <a:avLst/>
+          </a:prstGeom>
+          <a:ln w="76200" cmpd="sng">
+            <a:solidFill>
+              <a:schemeClr val="tx1"/>
+            </a:solidFill>
+            <a:tailEnd type="arrow"/>
+          </a:ln>
+          <a:effectLst/>
+        </p:spPr>
+        <p:style>
+          <a:lnRef idx="2">
+            <a:schemeClr val="accent1"/>
+          </a:lnRef>
+          <a:fillRef idx="0">
+            <a:schemeClr val="accent1"/>
+          </a:fillRef>
+          <a:effectRef idx="1">
+            <a:schemeClr val="accent1"/>
+          </a:effectRef>
+          <a:fontRef idx="minor">
+            <a:schemeClr val="tx1"/>
+          </a:fontRef>
+        </p:style>
+      </p:cxnSp>
+      <p:sp>
+        <p:nvSpPr>
+          <p:cNvPr id="16" name="TextBox 15"/>
+          <p:cNvSpPr txBox="1"/>
+          <p:nvPr/>
+        </p:nvSpPr>
+        <p:spPr>
+          <a:xfrm>
+            <a:off x="365325" y="2595191"/>
+            <a:ext cx="2289036" cy="584776"/>
+          </a:xfrm>
+          <a:prstGeom prst="rect">
+            <a:avLst/>
+          </a:prstGeom>
+          <a:noFill/>
+        </p:spPr>
+        <p:txBody>
+          <a:bodyPr wrap="none" rtlCol="0">
+            <a:spAutoFit/>
+          </a:bodyPr>
+          <a:lstStyle/>
+          <a:p>
+            <a:r>
+              <a:rPr lang="en-US" sz="3200" dirty="0" smtClean="0">
+                <a:latin typeface="Quicksand Bold"/>
+                <a:cs typeface="Quicksand Bold"/>
+              </a:rPr>
+              <a:t>Main Page</a:t>
+            </a:r>
+            <a:endParaRPr lang="en-US" sz="3200" dirty="0">
+              <a:latin typeface="Quicksand Bold"/>
+              <a:cs typeface="Quicksand Bold"/>
+            </a:endParaRPr>
+          </a:p>
+        </p:txBody>
+      </p:sp>
+      <p:sp>
+        <p:nvSpPr>
+          <p:cNvPr id="17" name="TextBox 16"/>
+          <p:cNvSpPr txBox="1"/>
+          <p:nvPr/>
+        </p:nvSpPr>
+        <p:spPr>
+          <a:xfrm>
+            <a:off x="365325" y="3830240"/>
+            <a:ext cx="2613637" cy="584776"/>
+          </a:xfrm>
+          <a:prstGeom prst="rect">
+            <a:avLst/>
+          </a:prstGeom>
+          <a:noFill/>
+        </p:spPr>
+        <p:txBody>
+          <a:bodyPr wrap="none" rtlCol="0">
+            <a:spAutoFit/>
+          </a:bodyPr>
+          <a:lstStyle/>
+          <a:p>
+            <a:r>
+              <a:rPr lang="en-US" sz="3200" dirty="0" smtClean="0">
+                <a:latin typeface="Quicksand Bold"/>
+                <a:cs typeface="Quicksand Bold"/>
+              </a:rPr>
+              <a:t>Profile Page</a:t>
+            </a:r>
+            <a:endParaRPr lang="en-US" sz="3200" dirty="0">
+              <a:latin typeface="Quicksand Bold"/>
+              <a:cs typeface="Quicksand Bold"/>
+            </a:endParaRPr>
+          </a:p>
+        </p:txBody>
+      </p:sp>
     </p:spTree>
     <p:extLst>
       <p:ext uri="{BB962C8B-B14F-4D97-AF65-F5344CB8AC3E}">
-        <p14:creationId xmlns:p14="http://schemas.microsoft.com/office/powerpoint/2010/main" val="1532032402"/>
+        <p14:creationId xmlns:p14="http://schemas.microsoft.com/office/powerpoint/2010/main" val="2122638297"/>
       </p:ext>
     </p:extLst>
   </p:cSld>
   <p:clrMapOvr>
     <a:masterClrMapping/>
   </p:clrMapOvr>
+  <p:timing>
+    <p:tnLst>
+      <p:par>
+        <p:cTn xmlns:p14="http://schemas.microsoft.com/office/powerpoint/2010/main" id="1" dur="indefinite" restart="never" nodeType="tmRoot"/>
+      </p:par>
+    </p:tnLst>
+  </p:timing>
 </p:sld>
 </file>
 
@@ -4200,16 +4679,308 @@
           <a:chExt cx="0" cy="0"/>
         </a:xfrm>
       </p:grpSpPr>
+      <p:sp>
+        <p:nvSpPr>
+          <p:cNvPr id="3" name="TextBox 2"/>
+          <p:cNvSpPr txBox="1"/>
+          <p:nvPr/>
+        </p:nvSpPr>
+        <p:spPr>
+          <a:xfrm>
+            <a:off x="121775" y="260926"/>
+            <a:ext cx="3374908" cy="1938992"/>
+          </a:xfrm>
+          <a:prstGeom prst="rect">
+            <a:avLst/>
+          </a:prstGeom>
+          <a:noFill/>
+        </p:spPr>
+        <p:txBody>
+          <a:bodyPr wrap="square" rtlCol="0">
+            <a:spAutoFit/>
+          </a:bodyPr>
+          <a:lstStyle/>
+          <a:p>
+            <a:r>
+              <a:rPr lang="en-US" sz="6000" dirty="0" smtClean="0">
+                <a:latin typeface="Quicksand Dash Regular"/>
+                <a:cs typeface="Quicksand Dash Regular"/>
+              </a:rPr>
+              <a:t>Matches Page</a:t>
+            </a:r>
+            <a:endParaRPr lang="en-US" sz="6000" dirty="0">
+              <a:latin typeface="Quicksand Dash Regular"/>
+              <a:cs typeface="Quicksand Dash Regular"/>
+            </a:endParaRPr>
+          </a:p>
+        </p:txBody>
+      </p:sp>
+      <p:pic>
+        <p:nvPicPr>
+          <p:cNvPr id="4" name="Picture 3" descr="3.png"/>
+          <p:cNvPicPr>
+            <a:picLocks noChangeAspect="1"/>
+          </p:cNvPicPr>
+          <p:nvPr/>
+        </p:nvPicPr>
+        <p:blipFill>
+          <a:blip r:embed="rId3">
+            <a:extLst>
+              <a:ext uri="{28A0092B-C50C-407E-A947-70E740481C1C}">
+                <a14:useLocalDpi xmlns:a14="http://schemas.microsoft.com/office/drawing/2010/main" val="0"/>
+              </a:ext>
+            </a:extLst>
+          </a:blip>
+          <a:stretch>
+            <a:fillRect/>
+          </a:stretch>
+        </p:blipFill>
+        <p:spPr>
+          <a:xfrm>
+            <a:off x="3673803" y="0"/>
+            <a:ext cx="3855697" cy="6858000"/>
+          </a:xfrm>
+          <a:prstGeom prst="rect">
+            <a:avLst/>
+          </a:prstGeom>
+        </p:spPr>
+      </p:pic>
+      <p:cxnSp>
+        <p:nvCxnSpPr>
+          <p:cNvPr id="5" name="Straight Arrow Connector 4"/>
+          <p:cNvCxnSpPr/>
+          <p:nvPr/>
+        </p:nvCxnSpPr>
+        <p:spPr>
+          <a:xfrm flipH="1">
+            <a:off x="2530543" y="1826481"/>
+            <a:ext cx="1609808" cy="1353486"/>
+          </a:xfrm>
+          <a:prstGeom prst="straightConnector1">
+            <a:avLst/>
+          </a:prstGeom>
+          <a:ln w="76200" cmpd="sng">
+            <a:solidFill>
+              <a:schemeClr val="tx1"/>
+            </a:solidFill>
+            <a:tailEnd type="arrow"/>
+          </a:ln>
+          <a:effectLst/>
+        </p:spPr>
+        <p:style>
+          <a:lnRef idx="2">
+            <a:schemeClr val="accent1"/>
+          </a:lnRef>
+          <a:fillRef idx="0">
+            <a:schemeClr val="accent1"/>
+          </a:fillRef>
+          <a:effectRef idx="1">
+            <a:schemeClr val="accent1"/>
+          </a:effectRef>
+          <a:fontRef idx="minor">
+            <a:schemeClr val="tx1"/>
+          </a:fontRef>
+        </p:style>
+      </p:cxnSp>
+      <p:cxnSp>
+        <p:nvCxnSpPr>
+          <p:cNvPr id="10" name="Straight Arrow Connector 9"/>
+          <p:cNvCxnSpPr/>
+          <p:nvPr/>
+        </p:nvCxnSpPr>
+        <p:spPr>
+          <a:xfrm flipH="1">
+            <a:off x="1997980" y="643617"/>
+            <a:ext cx="4901647" cy="3635566"/>
+          </a:xfrm>
+          <a:prstGeom prst="straightConnector1">
+            <a:avLst/>
+          </a:prstGeom>
+          <a:ln w="76200" cmpd="sng">
+            <a:solidFill>
+              <a:schemeClr val="tx1"/>
+            </a:solidFill>
+            <a:tailEnd type="arrow"/>
+          </a:ln>
+          <a:effectLst/>
+        </p:spPr>
+        <p:style>
+          <a:lnRef idx="2">
+            <a:schemeClr val="accent1"/>
+          </a:lnRef>
+          <a:fillRef idx="0">
+            <a:schemeClr val="accent1"/>
+          </a:fillRef>
+          <a:effectRef idx="1">
+            <a:schemeClr val="accent1"/>
+          </a:effectRef>
+          <a:fontRef idx="minor">
+            <a:schemeClr val="tx1"/>
+          </a:fontRef>
+        </p:style>
+      </p:cxnSp>
+      <p:cxnSp>
+        <p:nvCxnSpPr>
+          <p:cNvPr id="12" name="Straight Arrow Connector 11"/>
+          <p:cNvCxnSpPr/>
+          <p:nvPr/>
+        </p:nvCxnSpPr>
+        <p:spPr>
+          <a:xfrm flipH="1">
+            <a:off x="1997981" y="765382"/>
+            <a:ext cx="2142370" cy="1930851"/>
+          </a:xfrm>
+          <a:prstGeom prst="straightConnector1">
+            <a:avLst/>
+          </a:prstGeom>
+          <a:ln w="76200" cmpd="sng">
+            <a:solidFill>
+              <a:schemeClr val="tx1"/>
+            </a:solidFill>
+            <a:tailEnd type="arrow"/>
+          </a:ln>
+          <a:effectLst/>
+        </p:spPr>
+        <p:style>
+          <a:lnRef idx="2">
+            <a:schemeClr val="accent1"/>
+          </a:lnRef>
+          <a:fillRef idx="0">
+            <a:schemeClr val="accent1"/>
+          </a:fillRef>
+          <a:effectRef idx="1">
+            <a:schemeClr val="accent1"/>
+          </a:effectRef>
+          <a:fontRef idx="minor">
+            <a:schemeClr val="tx1"/>
+          </a:fontRef>
+        </p:style>
+      </p:cxnSp>
+      <p:sp>
+        <p:nvSpPr>
+          <p:cNvPr id="16" name="TextBox 15"/>
+          <p:cNvSpPr txBox="1"/>
+          <p:nvPr/>
+        </p:nvSpPr>
+        <p:spPr>
+          <a:xfrm>
+            <a:off x="121775" y="3179967"/>
+            <a:ext cx="2613637" cy="584776"/>
+          </a:xfrm>
+          <a:prstGeom prst="rect">
+            <a:avLst/>
+          </a:prstGeom>
+          <a:noFill/>
+        </p:spPr>
+        <p:txBody>
+          <a:bodyPr wrap="none" rtlCol="0">
+            <a:spAutoFit/>
+          </a:bodyPr>
+          <a:lstStyle/>
+          <a:p>
+            <a:r>
+              <a:rPr lang="en-US" sz="3200" dirty="0" smtClean="0">
+                <a:latin typeface="Quicksand Bold"/>
+                <a:cs typeface="Quicksand Bold"/>
+              </a:rPr>
+              <a:t>Profile Page</a:t>
+            </a:r>
+            <a:endParaRPr lang="en-US" sz="3200" dirty="0">
+              <a:latin typeface="Quicksand Bold"/>
+              <a:cs typeface="Quicksand Bold"/>
+            </a:endParaRPr>
+          </a:p>
+        </p:txBody>
+      </p:sp>
+      <p:sp>
+        <p:nvSpPr>
+          <p:cNvPr id="17" name="TextBox 16"/>
+          <p:cNvSpPr txBox="1"/>
+          <p:nvPr/>
+        </p:nvSpPr>
+        <p:spPr>
+          <a:xfrm>
+            <a:off x="121775" y="3830240"/>
+            <a:ext cx="1876205" cy="584776"/>
+          </a:xfrm>
+          <a:prstGeom prst="rect">
+            <a:avLst/>
+          </a:prstGeom>
+          <a:noFill/>
+        </p:spPr>
+        <p:txBody>
+          <a:bodyPr wrap="none" rtlCol="0">
+            <a:spAutoFit/>
+          </a:bodyPr>
+          <a:lstStyle/>
+          <a:p>
+            <a:r>
+              <a:rPr lang="en-US" sz="3200" dirty="0" smtClean="0">
+                <a:latin typeface="Quicksand Bold"/>
+                <a:cs typeface="Quicksand Bold"/>
+              </a:rPr>
+              <a:t>Settings</a:t>
+            </a:r>
+            <a:endParaRPr lang="en-US" sz="3200" dirty="0">
+              <a:latin typeface="Quicksand Bold"/>
+              <a:cs typeface="Quicksand Bold"/>
+            </a:endParaRPr>
+          </a:p>
+        </p:txBody>
+      </p:sp>
+      <p:sp>
+        <p:nvSpPr>
+          <p:cNvPr id="19" name="TextBox 18"/>
+          <p:cNvSpPr txBox="1"/>
+          <p:nvPr/>
+        </p:nvSpPr>
+        <p:spPr>
+          <a:xfrm>
+            <a:off x="199421" y="2543006"/>
+            <a:ext cx="2289036" cy="584776"/>
+          </a:xfrm>
+          <a:prstGeom prst="rect">
+            <a:avLst/>
+          </a:prstGeom>
+          <a:noFill/>
+        </p:spPr>
+        <p:txBody>
+          <a:bodyPr wrap="none" rtlCol="0">
+            <a:spAutoFit/>
+          </a:bodyPr>
+          <a:lstStyle/>
+          <a:p>
+            <a:r>
+              <a:rPr lang="en-US" sz="3200" dirty="0" smtClean="0">
+                <a:latin typeface="Quicksand Bold"/>
+                <a:cs typeface="Quicksand Bold"/>
+              </a:rPr>
+              <a:t>Main Page</a:t>
+            </a:r>
+            <a:endParaRPr lang="en-US" sz="3200" dirty="0">
+              <a:latin typeface="Quicksand Bold"/>
+              <a:cs typeface="Quicksand Bold"/>
+            </a:endParaRPr>
+          </a:p>
+        </p:txBody>
+      </p:sp>
     </p:spTree>
     <p:extLst>
       <p:ext uri="{BB962C8B-B14F-4D97-AF65-F5344CB8AC3E}">
-        <p14:creationId xmlns:p14="http://schemas.microsoft.com/office/powerpoint/2010/main" val="2365814441"/>
+        <p14:creationId xmlns:p14="http://schemas.microsoft.com/office/powerpoint/2010/main" val="2122638297"/>
       </p:ext>
     </p:extLst>
   </p:cSld>
   <p:clrMapOvr>
     <a:masterClrMapping/>
   </p:clrMapOvr>
+  <p:timing>
+    <p:tnLst>
+      <p:par>
+        <p:cTn xmlns:p14="http://schemas.microsoft.com/office/powerpoint/2010/main" id="1" dur="indefinite" restart="never" nodeType="tmRoot"/>
+      </p:par>
+    </p:tnLst>
+  </p:timing>
 </p:sld>
 </file>
 
@@ -4230,16 +5001,235 @@
           <a:chExt cx="0" cy="0"/>
         </a:xfrm>
       </p:grpSpPr>
+      <p:sp>
+        <p:nvSpPr>
+          <p:cNvPr id="3" name="TextBox 2"/>
+          <p:cNvSpPr txBox="1"/>
+          <p:nvPr/>
+        </p:nvSpPr>
+        <p:spPr>
+          <a:xfrm>
+            <a:off x="121774" y="260926"/>
+            <a:ext cx="3725993" cy="1938992"/>
+          </a:xfrm>
+          <a:prstGeom prst="rect">
+            <a:avLst/>
+          </a:prstGeom>
+          <a:noFill/>
+        </p:spPr>
+        <p:txBody>
+          <a:bodyPr wrap="square" rtlCol="0">
+            <a:spAutoFit/>
+          </a:bodyPr>
+          <a:lstStyle/>
+          <a:p>
+            <a:r>
+              <a:rPr lang="en-US" sz="6000" dirty="0" smtClean="0">
+                <a:latin typeface="Quicksand Dash Regular"/>
+                <a:cs typeface="Quicksand Dash Regular"/>
+              </a:rPr>
+              <a:t>Personal Profile</a:t>
+            </a:r>
+            <a:endParaRPr lang="en-US" sz="6000" dirty="0">
+              <a:latin typeface="Quicksand Dash Regular"/>
+              <a:cs typeface="Quicksand Dash Regular"/>
+            </a:endParaRPr>
+          </a:p>
+        </p:txBody>
+      </p:sp>
+      <p:pic>
+        <p:nvPicPr>
+          <p:cNvPr id="2" name="Picture 1" descr="4.png"/>
+          <p:cNvPicPr>
+            <a:picLocks noChangeAspect="1"/>
+          </p:cNvPicPr>
+          <p:nvPr/>
+        </p:nvPicPr>
+        <p:blipFill>
+          <a:blip r:embed="rId3">
+            <a:extLst>
+              <a:ext uri="{28A0092B-C50C-407E-A947-70E740481C1C}">
+                <a14:useLocalDpi xmlns:a14="http://schemas.microsoft.com/office/drawing/2010/main" val="0"/>
+              </a:ext>
+            </a:extLst>
+          </a:blip>
+          <a:stretch>
+            <a:fillRect/>
+          </a:stretch>
+        </p:blipFill>
+        <p:spPr>
+          <a:xfrm>
+            <a:off x="3847768" y="0"/>
+            <a:ext cx="3855697" cy="6858000"/>
+          </a:xfrm>
+          <a:prstGeom prst="rect">
+            <a:avLst/>
+          </a:prstGeom>
+        </p:spPr>
+      </p:pic>
+      <p:cxnSp>
+        <p:nvCxnSpPr>
+          <p:cNvPr id="10" name="Straight Arrow Connector 9"/>
+          <p:cNvCxnSpPr/>
+          <p:nvPr/>
+        </p:nvCxnSpPr>
+        <p:spPr>
+          <a:xfrm flipH="1">
+            <a:off x="1997980" y="643617"/>
+            <a:ext cx="4901647" cy="3635566"/>
+          </a:xfrm>
+          <a:prstGeom prst="straightConnector1">
+            <a:avLst/>
+          </a:prstGeom>
+          <a:ln w="76200" cmpd="sng">
+            <a:solidFill>
+              <a:schemeClr val="tx1"/>
+            </a:solidFill>
+            <a:tailEnd type="arrow"/>
+          </a:ln>
+          <a:effectLst/>
+        </p:spPr>
+        <p:style>
+          <a:lnRef idx="2">
+            <a:schemeClr val="accent1"/>
+          </a:lnRef>
+          <a:fillRef idx="0">
+            <a:schemeClr val="accent1"/>
+          </a:fillRef>
+          <a:effectRef idx="1">
+            <a:schemeClr val="accent1"/>
+          </a:effectRef>
+          <a:fontRef idx="minor">
+            <a:schemeClr val="tx1"/>
+          </a:fontRef>
+        </p:style>
+      </p:cxnSp>
+      <p:cxnSp>
+        <p:nvCxnSpPr>
+          <p:cNvPr id="12" name="Straight Arrow Connector 11"/>
+          <p:cNvCxnSpPr/>
+          <p:nvPr/>
+        </p:nvCxnSpPr>
+        <p:spPr>
+          <a:xfrm flipH="1">
+            <a:off x="1997981" y="765382"/>
+            <a:ext cx="2142370" cy="1930851"/>
+          </a:xfrm>
+          <a:prstGeom prst="straightConnector1">
+            <a:avLst/>
+          </a:prstGeom>
+          <a:ln w="76200" cmpd="sng">
+            <a:solidFill>
+              <a:schemeClr val="tx1"/>
+            </a:solidFill>
+            <a:tailEnd type="arrow"/>
+          </a:ln>
+          <a:effectLst/>
+        </p:spPr>
+        <p:style>
+          <a:lnRef idx="2">
+            <a:schemeClr val="accent1"/>
+          </a:lnRef>
+          <a:fillRef idx="0">
+            <a:schemeClr val="accent1"/>
+          </a:fillRef>
+          <a:effectRef idx="1">
+            <a:schemeClr val="accent1"/>
+          </a:effectRef>
+          <a:fontRef idx="minor">
+            <a:schemeClr val="tx1"/>
+          </a:fontRef>
+        </p:style>
+      </p:cxnSp>
+      <p:sp>
+        <p:nvSpPr>
+          <p:cNvPr id="17" name="TextBox 16"/>
+          <p:cNvSpPr txBox="1"/>
+          <p:nvPr/>
+        </p:nvSpPr>
+        <p:spPr>
+          <a:xfrm>
+            <a:off x="199421" y="4303989"/>
+            <a:ext cx="3020313" cy="584776"/>
+          </a:xfrm>
+          <a:prstGeom prst="rect">
+            <a:avLst/>
+          </a:prstGeom>
+          <a:noFill/>
+        </p:spPr>
+        <p:txBody>
+          <a:bodyPr wrap="none" rtlCol="0">
+            <a:spAutoFit/>
+          </a:bodyPr>
+          <a:lstStyle/>
+          <a:p>
+            <a:r>
+              <a:rPr lang="en-US" sz="3200" dirty="0" smtClean="0">
+                <a:latin typeface="Quicksand Bold"/>
+                <a:cs typeface="Quicksand Bold"/>
+              </a:rPr>
+              <a:t>Allows Editing</a:t>
+            </a:r>
+            <a:endParaRPr lang="en-US" sz="3200" dirty="0">
+              <a:latin typeface="Quicksand Bold"/>
+              <a:cs typeface="Quicksand Bold"/>
+            </a:endParaRPr>
+          </a:p>
+        </p:txBody>
+      </p:sp>
+      <p:sp>
+        <p:nvSpPr>
+          <p:cNvPr id="19" name="TextBox 18"/>
+          <p:cNvSpPr txBox="1"/>
+          <p:nvPr/>
+        </p:nvSpPr>
+        <p:spPr>
+          <a:xfrm>
+            <a:off x="199421" y="2543006"/>
+            <a:ext cx="2289036" cy="584776"/>
+          </a:xfrm>
+          <a:prstGeom prst="rect">
+            <a:avLst/>
+          </a:prstGeom>
+          <a:noFill/>
+        </p:spPr>
+        <p:txBody>
+          <a:bodyPr wrap="none" rtlCol="0">
+            <a:spAutoFit/>
+          </a:bodyPr>
+          <a:lstStyle/>
+          <a:p>
+            <a:r>
+              <a:rPr lang="en-US" sz="3200" dirty="0" smtClean="0">
+                <a:latin typeface="Quicksand Bold"/>
+                <a:cs typeface="Quicksand Bold"/>
+              </a:rPr>
+              <a:t>Main Page</a:t>
+            </a:r>
+            <a:endParaRPr lang="en-US" sz="3200" dirty="0">
+              <a:latin typeface="Quicksand Bold"/>
+              <a:cs typeface="Quicksand Bold"/>
+            </a:endParaRPr>
+          </a:p>
+        </p:txBody>
+      </p:sp>
     </p:spTree>
     <p:extLst>
       <p:ext uri="{BB962C8B-B14F-4D97-AF65-F5344CB8AC3E}">
-        <p14:creationId xmlns:p14="http://schemas.microsoft.com/office/powerpoint/2010/main" val="2704118436"/>
+        <p14:creationId xmlns:p14="http://schemas.microsoft.com/office/powerpoint/2010/main" val="928810756"/>
       </p:ext>
     </p:extLst>
   </p:cSld>
   <p:clrMapOvr>
     <a:masterClrMapping/>
   </p:clrMapOvr>
+  <p:timing>
+    <p:tnLst>
+      <p:par>
+        <p:cTn xmlns:p14="http://schemas.microsoft.com/office/powerpoint/2010/main" id="1" dur="indefinite" restart="never" nodeType="tmRoot"/>
+      </p:par>
+    </p:tnLst>
+  </p:timing>
 </p:sld>
 </file>
 
@@ -4260,16 +5250,324 @@
           <a:chExt cx="0" cy="0"/>
         </a:xfrm>
       </p:grpSpPr>
+      <p:sp>
+        <p:nvSpPr>
+          <p:cNvPr id="3" name="TextBox 2"/>
+          <p:cNvSpPr txBox="1"/>
+          <p:nvPr/>
+        </p:nvSpPr>
+        <p:spPr>
+          <a:xfrm>
+            <a:off x="121775" y="260926"/>
+            <a:ext cx="3374908" cy="1938992"/>
+          </a:xfrm>
+          <a:prstGeom prst="rect">
+            <a:avLst/>
+          </a:prstGeom>
+          <a:noFill/>
+        </p:spPr>
+        <p:txBody>
+          <a:bodyPr wrap="square" rtlCol="0">
+            <a:spAutoFit/>
+          </a:bodyPr>
+          <a:lstStyle/>
+          <a:p>
+            <a:r>
+              <a:rPr lang="en-US" sz="6000" dirty="0" smtClean="0">
+                <a:latin typeface="Quicksand Dash Regular"/>
+                <a:cs typeface="Quicksand Dash Regular"/>
+              </a:rPr>
+              <a:t>Pet Profile</a:t>
+            </a:r>
+            <a:endParaRPr lang="en-US" sz="6000" dirty="0">
+              <a:latin typeface="Quicksand Dash Regular"/>
+              <a:cs typeface="Quicksand Dash Regular"/>
+            </a:endParaRPr>
+          </a:p>
+        </p:txBody>
+      </p:sp>
+      <p:pic>
+        <p:nvPicPr>
+          <p:cNvPr id="2" name="Picture 1" descr="5.png"/>
+          <p:cNvPicPr>
+            <a:picLocks noChangeAspect="1"/>
+          </p:cNvPicPr>
+          <p:nvPr/>
+        </p:nvPicPr>
+        <p:blipFill>
+          <a:blip r:embed="rId3">
+            <a:extLst>
+              <a:ext uri="{28A0092B-C50C-407E-A947-70E740481C1C}">
+                <a14:useLocalDpi xmlns:a14="http://schemas.microsoft.com/office/drawing/2010/main" val="0"/>
+              </a:ext>
+            </a:extLst>
+          </a:blip>
+          <a:stretch>
+            <a:fillRect/>
+          </a:stretch>
+        </p:blipFill>
+        <p:spPr>
+          <a:xfrm>
+            <a:off x="4595814" y="0"/>
+            <a:ext cx="3855697" cy="6858000"/>
+          </a:xfrm>
+          <a:prstGeom prst="rect">
+            <a:avLst/>
+          </a:prstGeom>
+        </p:spPr>
+      </p:pic>
+      <p:cxnSp>
+        <p:nvCxnSpPr>
+          <p:cNvPr id="10" name="Straight Arrow Connector 9"/>
+          <p:cNvCxnSpPr/>
+          <p:nvPr/>
+        </p:nvCxnSpPr>
+        <p:spPr>
+          <a:xfrm flipH="1">
+            <a:off x="1997981" y="643617"/>
+            <a:ext cx="5813017" cy="3635566"/>
+          </a:xfrm>
+          <a:prstGeom prst="straightConnector1">
+            <a:avLst/>
+          </a:prstGeom>
+          <a:ln w="76200" cmpd="sng">
+            <a:solidFill>
+              <a:schemeClr val="tx1"/>
+            </a:solidFill>
+            <a:tailEnd type="arrow"/>
+          </a:ln>
+          <a:effectLst/>
+        </p:spPr>
+        <p:style>
+          <a:lnRef idx="2">
+            <a:schemeClr val="accent1"/>
+          </a:lnRef>
+          <a:fillRef idx="0">
+            <a:schemeClr val="accent1"/>
+          </a:fillRef>
+          <a:effectRef idx="1">
+            <a:schemeClr val="accent1"/>
+          </a:effectRef>
+          <a:fontRef idx="minor">
+            <a:schemeClr val="tx1"/>
+          </a:fontRef>
+        </p:style>
+      </p:cxnSp>
+      <p:cxnSp>
+        <p:nvCxnSpPr>
+          <p:cNvPr id="12" name="Straight Arrow Connector 11"/>
+          <p:cNvCxnSpPr/>
+          <p:nvPr/>
+        </p:nvCxnSpPr>
+        <p:spPr>
+          <a:xfrm flipH="1">
+            <a:off x="1997981" y="643617"/>
+            <a:ext cx="2786038" cy="2052616"/>
+          </a:xfrm>
+          <a:prstGeom prst="straightConnector1">
+            <a:avLst/>
+          </a:prstGeom>
+          <a:ln w="76200" cmpd="sng">
+            <a:solidFill>
+              <a:schemeClr val="tx1"/>
+            </a:solidFill>
+            <a:tailEnd type="arrow"/>
+          </a:ln>
+          <a:effectLst/>
+        </p:spPr>
+        <p:style>
+          <a:lnRef idx="2">
+            <a:schemeClr val="accent1"/>
+          </a:lnRef>
+          <a:fillRef idx="0">
+            <a:schemeClr val="accent1"/>
+          </a:fillRef>
+          <a:effectRef idx="1">
+            <a:schemeClr val="accent1"/>
+          </a:effectRef>
+          <a:fontRef idx="minor">
+            <a:schemeClr val="tx1"/>
+          </a:fontRef>
+        </p:style>
+      </p:cxnSp>
+      <p:sp>
+        <p:nvSpPr>
+          <p:cNvPr id="17" name="TextBox 16"/>
+          <p:cNvSpPr txBox="1"/>
+          <p:nvPr/>
+        </p:nvSpPr>
+        <p:spPr>
+          <a:xfrm>
+            <a:off x="121775" y="3830240"/>
+            <a:ext cx="1876205" cy="584776"/>
+          </a:xfrm>
+          <a:prstGeom prst="rect">
+            <a:avLst/>
+          </a:prstGeom>
+          <a:noFill/>
+        </p:spPr>
+        <p:txBody>
+          <a:bodyPr wrap="none" rtlCol="0">
+            <a:spAutoFit/>
+          </a:bodyPr>
+          <a:lstStyle/>
+          <a:p>
+            <a:r>
+              <a:rPr lang="en-US" sz="3200" dirty="0" smtClean="0">
+                <a:latin typeface="Quicksand Bold"/>
+                <a:cs typeface="Quicksand Bold"/>
+              </a:rPr>
+              <a:t>Settings</a:t>
+            </a:r>
+            <a:endParaRPr lang="en-US" sz="3200" dirty="0">
+              <a:latin typeface="Quicksand Bold"/>
+              <a:cs typeface="Quicksand Bold"/>
+            </a:endParaRPr>
+          </a:p>
+        </p:txBody>
+      </p:sp>
+      <p:sp>
+        <p:nvSpPr>
+          <p:cNvPr id="19" name="TextBox 18"/>
+          <p:cNvSpPr txBox="1"/>
+          <p:nvPr/>
+        </p:nvSpPr>
+        <p:spPr>
+          <a:xfrm>
+            <a:off x="199421" y="2543006"/>
+            <a:ext cx="2289036" cy="584776"/>
+          </a:xfrm>
+          <a:prstGeom prst="rect">
+            <a:avLst/>
+          </a:prstGeom>
+          <a:noFill/>
+        </p:spPr>
+        <p:txBody>
+          <a:bodyPr wrap="none" rtlCol="0">
+            <a:spAutoFit/>
+          </a:bodyPr>
+          <a:lstStyle/>
+          <a:p>
+            <a:r>
+              <a:rPr lang="en-US" sz="3200" dirty="0" smtClean="0">
+                <a:latin typeface="Quicksand Bold"/>
+                <a:cs typeface="Quicksand Bold"/>
+              </a:rPr>
+              <a:t>Main Page</a:t>
+            </a:r>
+            <a:endParaRPr lang="en-US" sz="3200" dirty="0">
+              <a:latin typeface="Quicksand Bold"/>
+              <a:cs typeface="Quicksand Bold"/>
+            </a:endParaRPr>
+          </a:p>
+        </p:txBody>
+      </p:sp>
+      <p:cxnSp>
+        <p:nvCxnSpPr>
+          <p:cNvPr id="13" name="Straight Arrow Connector 12"/>
+          <p:cNvCxnSpPr/>
+          <p:nvPr/>
+        </p:nvCxnSpPr>
+        <p:spPr>
+          <a:xfrm flipH="1">
+            <a:off x="2488457" y="5531627"/>
+            <a:ext cx="3843846" cy="0"/>
+          </a:xfrm>
+          <a:prstGeom prst="straightConnector1">
+            <a:avLst/>
+          </a:prstGeom>
+          <a:ln w="76200" cmpd="sng">
+            <a:solidFill>
+              <a:schemeClr val="tx1"/>
+            </a:solidFill>
+            <a:tailEnd type="arrow"/>
+          </a:ln>
+          <a:effectLst/>
+        </p:spPr>
+        <p:style>
+          <a:lnRef idx="2">
+            <a:schemeClr val="accent1"/>
+          </a:lnRef>
+          <a:fillRef idx="0">
+            <a:schemeClr val="accent1"/>
+          </a:fillRef>
+          <a:effectRef idx="1">
+            <a:schemeClr val="accent1"/>
+          </a:effectRef>
+          <a:fontRef idx="minor">
+            <a:schemeClr val="tx1"/>
+          </a:fontRef>
+        </p:style>
+      </p:cxnSp>
+      <p:sp>
+        <p:nvSpPr>
+          <p:cNvPr id="18" name="TextBox 17"/>
+          <p:cNvSpPr txBox="1"/>
+          <p:nvPr/>
+        </p:nvSpPr>
+        <p:spPr>
+          <a:xfrm>
+            <a:off x="274175" y="5239239"/>
+            <a:ext cx="2472471" cy="1077218"/>
+          </a:xfrm>
+          <a:prstGeom prst="rect">
+            <a:avLst/>
+          </a:prstGeom>
+          <a:noFill/>
+        </p:spPr>
+        <p:txBody>
+          <a:bodyPr wrap="none" rtlCol="0">
+            <a:spAutoFit/>
+          </a:bodyPr>
+          <a:lstStyle/>
+          <a:p>
+            <a:r>
+              <a:rPr lang="en-US" sz="3200" dirty="0" smtClean="0">
+                <a:latin typeface="Quicksand Bold"/>
+                <a:cs typeface="Quicksand Bold"/>
+              </a:rPr>
+              <a:t>Integrate </a:t>
+            </a:r>
+          </a:p>
+          <a:p>
+            <a:r>
+              <a:rPr lang="en-US" sz="3200" dirty="0">
+                <a:latin typeface="Quicksand Bold"/>
+                <a:cs typeface="Quicksand Bold"/>
+              </a:rPr>
+              <a:t>w</a:t>
+            </a:r>
+            <a:r>
+              <a:rPr lang="en-US" sz="3200" dirty="0" smtClean="0">
+                <a:latin typeface="Quicksand Bold"/>
+                <a:cs typeface="Quicksand Bold"/>
+              </a:rPr>
+              <a:t>ith phone</a:t>
+            </a:r>
+            <a:endParaRPr lang="en-US" sz="3200" dirty="0">
+              <a:latin typeface="Quicksand Bold"/>
+              <a:cs typeface="Quicksand Bold"/>
+            </a:endParaRPr>
+          </a:p>
+        </p:txBody>
+      </p:sp>
     </p:spTree>
     <p:extLst>
       <p:ext uri="{BB962C8B-B14F-4D97-AF65-F5344CB8AC3E}">
-        <p14:creationId xmlns:p14="http://schemas.microsoft.com/office/powerpoint/2010/main" val="1406075704"/>
+        <p14:creationId xmlns:p14="http://schemas.microsoft.com/office/powerpoint/2010/main" val="928810756"/>
       </p:ext>
     </p:extLst>
   </p:cSld>
   <p:clrMapOvr>
     <a:masterClrMapping/>
   </p:clrMapOvr>
+  <p:timing>
+    <p:tnLst>
+      <p:par>
+        <p:cTn xmlns:p14="http://schemas.microsoft.com/office/powerpoint/2010/main" id="1" dur="indefinite" restart="never" nodeType="tmRoot"/>
+      </p:par>
+    </p:tnLst>
+  </p:timing>
 </p:sld>
 </file>
 
@@ -4290,16 +5588,895 @@
           <a:chExt cx="0" cy="0"/>
         </a:xfrm>
       </p:grpSpPr>
+      <p:sp>
+        <p:nvSpPr>
+          <p:cNvPr id="3" name="TextBox 2"/>
+          <p:cNvSpPr txBox="1"/>
+          <p:nvPr/>
+        </p:nvSpPr>
+        <p:spPr>
+          <a:xfrm>
+            <a:off x="121775" y="260926"/>
+            <a:ext cx="3374908" cy="1938992"/>
+          </a:xfrm>
+          <a:prstGeom prst="rect">
+            <a:avLst/>
+          </a:prstGeom>
+          <a:noFill/>
+        </p:spPr>
+        <p:txBody>
+          <a:bodyPr wrap="square" rtlCol="0">
+            <a:spAutoFit/>
+          </a:bodyPr>
+          <a:lstStyle/>
+          <a:p>
+            <a:r>
+              <a:rPr lang="en-US" sz="6000" dirty="0" smtClean="0">
+                <a:latin typeface="Quicksand Dash Regular"/>
+                <a:cs typeface="Quicksand Dash Regular"/>
+              </a:rPr>
+              <a:t>Match</a:t>
+            </a:r>
+          </a:p>
+          <a:p>
+            <a:r>
+              <a:rPr lang="en-US" sz="6000" dirty="0" smtClean="0">
+                <a:latin typeface="Quicksand Dash Regular"/>
+                <a:cs typeface="Quicksand Dash Regular"/>
+              </a:rPr>
+              <a:t>Alert</a:t>
+            </a:r>
+            <a:endParaRPr lang="en-US" sz="6000" dirty="0">
+              <a:latin typeface="Quicksand Dash Regular"/>
+              <a:cs typeface="Quicksand Dash Regular"/>
+            </a:endParaRPr>
+          </a:p>
+        </p:txBody>
+      </p:sp>
+      <p:pic>
+        <p:nvPicPr>
+          <p:cNvPr id="4" name="Picture 3" descr="6.png"/>
+          <p:cNvPicPr>
+            <a:picLocks noChangeAspect="1"/>
+          </p:cNvPicPr>
+          <p:nvPr/>
+        </p:nvPicPr>
+        <p:blipFill>
+          <a:blip r:embed="rId3">
+            <a:extLst>
+              <a:ext uri="{28A0092B-C50C-407E-A947-70E740481C1C}">
+                <a14:useLocalDpi xmlns:a14="http://schemas.microsoft.com/office/drawing/2010/main" val="0"/>
+              </a:ext>
+            </a:extLst>
+          </a:blip>
+          <a:stretch>
+            <a:fillRect/>
+          </a:stretch>
+        </p:blipFill>
+        <p:spPr>
+          <a:xfrm>
+            <a:off x="5288303" y="0"/>
+            <a:ext cx="3855697" cy="6858000"/>
+          </a:xfrm>
+          <a:prstGeom prst="rect">
+            <a:avLst/>
+          </a:prstGeom>
+        </p:spPr>
+      </p:pic>
+      <p:cxnSp>
+        <p:nvCxnSpPr>
+          <p:cNvPr id="10" name="Straight Arrow Connector 9"/>
+          <p:cNvCxnSpPr/>
+          <p:nvPr/>
+        </p:nvCxnSpPr>
+        <p:spPr>
+          <a:xfrm flipH="1" flipV="1">
+            <a:off x="2488457" y="4279183"/>
+            <a:ext cx="3722071" cy="295716"/>
+          </a:xfrm>
+          <a:prstGeom prst="straightConnector1">
+            <a:avLst/>
+          </a:prstGeom>
+          <a:ln w="76200" cmpd="sng">
+            <a:solidFill>
+              <a:schemeClr val="tx1"/>
+            </a:solidFill>
+            <a:tailEnd type="arrow"/>
+          </a:ln>
+          <a:effectLst/>
+        </p:spPr>
+        <p:style>
+          <a:lnRef idx="2">
+            <a:schemeClr val="accent1"/>
+          </a:lnRef>
+          <a:fillRef idx="0">
+            <a:schemeClr val="accent1"/>
+          </a:fillRef>
+          <a:effectRef idx="1">
+            <a:schemeClr val="accent1"/>
+          </a:effectRef>
+          <a:fontRef idx="minor">
+            <a:schemeClr val="tx1"/>
+          </a:fontRef>
+        </p:style>
+      </p:cxnSp>
+      <p:cxnSp>
+        <p:nvCxnSpPr>
+          <p:cNvPr id="12" name="Straight Arrow Connector 11"/>
+          <p:cNvCxnSpPr/>
+          <p:nvPr/>
+        </p:nvCxnSpPr>
+        <p:spPr>
+          <a:xfrm flipH="1" flipV="1">
+            <a:off x="2161050" y="2817999"/>
+            <a:ext cx="4171254" cy="1287236"/>
+          </a:xfrm>
+          <a:prstGeom prst="straightConnector1">
+            <a:avLst/>
+          </a:prstGeom>
+          <a:ln w="76200" cmpd="sng">
+            <a:solidFill>
+              <a:schemeClr val="tx1"/>
+            </a:solidFill>
+            <a:tailEnd type="arrow"/>
+          </a:ln>
+          <a:effectLst/>
+        </p:spPr>
+        <p:style>
+          <a:lnRef idx="2">
+            <a:schemeClr val="accent1"/>
+          </a:lnRef>
+          <a:fillRef idx="0">
+            <a:schemeClr val="accent1"/>
+          </a:fillRef>
+          <a:effectRef idx="1">
+            <a:schemeClr val="accent1"/>
+          </a:effectRef>
+          <a:fontRef idx="minor">
+            <a:schemeClr val="tx1"/>
+          </a:fontRef>
+        </p:style>
+      </p:cxnSp>
+      <p:sp>
+        <p:nvSpPr>
+          <p:cNvPr id="17" name="TextBox 16"/>
+          <p:cNvSpPr txBox="1"/>
+          <p:nvPr/>
+        </p:nvSpPr>
+        <p:spPr>
+          <a:xfrm>
+            <a:off x="274175" y="2555960"/>
+            <a:ext cx="1886875" cy="584776"/>
+          </a:xfrm>
+          <a:prstGeom prst="rect">
+            <a:avLst/>
+          </a:prstGeom>
+          <a:noFill/>
+        </p:spPr>
+        <p:txBody>
+          <a:bodyPr wrap="none" rtlCol="0">
+            <a:spAutoFit/>
+          </a:bodyPr>
+          <a:lstStyle/>
+          <a:p>
+            <a:r>
+              <a:rPr lang="en-US" sz="3200" dirty="0" smtClean="0">
+                <a:latin typeface="Quicksand Bold"/>
+                <a:cs typeface="Quicksand Bold"/>
+              </a:rPr>
+              <a:t>Matches</a:t>
+            </a:r>
+            <a:endParaRPr lang="en-US" sz="3200" dirty="0">
+              <a:latin typeface="Quicksand Bold"/>
+              <a:cs typeface="Quicksand Bold"/>
+            </a:endParaRPr>
+          </a:p>
+        </p:txBody>
+      </p:sp>
+      <p:sp>
+        <p:nvSpPr>
+          <p:cNvPr id="19" name="TextBox 18"/>
+          <p:cNvSpPr txBox="1"/>
+          <p:nvPr/>
+        </p:nvSpPr>
+        <p:spPr>
+          <a:xfrm>
+            <a:off x="274175" y="4092652"/>
+            <a:ext cx="2289036" cy="584776"/>
+          </a:xfrm>
+          <a:prstGeom prst="rect">
+            <a:avLst/>
+          </a:prstGeom>
+          <a:noFill/>
+        </p:spPr>
+        <p:txBody>
+          <a:bodyPr wrap="none" rtlCol="0">
+            <a:spAutoFit/>
+          </a:bodyPr>
+          <a:lstStyle/>
+          <a:p>
+            <a:r>
+              <a:rPr lang="en-US" sz="3200" dirty="0" smtClean="0">
+                <a:latin typeface="Quicksand Bold"/>
+                <a:cs typeface="Quicksand Bold"/>
+              </a:rPr>
+              <a:t>Main Page</a:t>
+            </a:r>
+            <a:endParaRPr lang="en-US" sz="3200" dirty="0">
+              <a:latin typeface="Quicksand Bold"/>
+              <a:cs typeface="Quicksand Bold"/>
+            </a:endParaRPr>
+          </a:p>
+        </p:txBody>
+      </p:sp>
     </p:spTree>
     <p:extLst>
       <p:ext uri="{BB962C8B-B14F-4D97-AF65-F5344CB8AC3E}">
-        <p14:creationId xmlns:p14="http://schemas.microsoft.com/office/powerpoint/2010/main" val="733258830"/>
+        <p14:creationId xmlns:p14="http://schemas.microsoft.com/office/powerpoint/2010/main" val="876228061"/>
       </p:ext>
     </p:extLst>
   </p:cSld>
   <p:clrMapOvr>
     <a:masterClrMapping/>
   </p:clrMapOvr>
+  <p:timing>
+    <p:tnLst>
+      <p:par>
+        <p:cTn xmlns:p14="http://schemas.microsoft.com/office/powerpoint/2010/main" id="1" dur="indefinite" restart="never" nodeType="tmRoot"/>
+      </p:par>
+    </p:tnLst>
+  </p:timing>
+</p:sld>
+</file>
+
+<file path=ppt/slides/slide7.xml><?xml version="1.0" encoding="utf-8"?>
+<p:sld xmlns:a="http://schemas.openxmlformats.org/drawingml/2006/main" xmlns:r="http://schemas.openxmlformats.org/officeDocument/2006/relationships" xmlns:p="http://schemas.openxmlformats.org/presentationml/2006/main">
+  <p:cSld>
+    <p:spTree>
+      <p:nvGrpSpPr>
+        <p:cNvPr id="1" name=""/>
+        <p:cNvGrpSpPr/>
+        <p:nvPr/>
+      </p:nvGrpSpPr>
+      <p:grpSpPr>
+        <a:xfrm>
+          <a:off x="0" y="0"/>
+          <a:ext cx="0" cy="0"/>
+          <a:chOff x="0" y="0"/>
+          <a:chExt cx="0" cy="0"/>
+        </a:xfrm>
+      </p:grpSpPr>
+      <p:sp>
+        <p:nvSpPr>
+          <p:cNvPr id="3" name="TextBox 2"/>
+          <p:cNvSpPr txBox="1"/>
+          <p:nvPr/>
+        </p:nvSpPr>
+        <p:spPr>
+          <a:xfrm>
+            <a:off x="121775" y="260926"/>
+            <a:ext cx="3374908" cy="1015663"/>
+          </a:xfrm>
+          <a:prstGeom prst="rect">
+            <a:avLst/>
+          </a:prstGeom>
+          <a:noFill/>
+        </p:spPr>
+        <p:txBody>
+          <a:bodyPr wrap="square" rtlCol="0">
+            <a:spAutoFit/>
+          </a:bodyPr>
+          <a:lstStyle/>
+          <a:p>
+            <a:r>
+              <a:rPr lang="en-US" sz="6000" smtClean="0">
+                <a:latin typeface="Quicksand Dash Regular"/>
+                <a:cs typeface="Quicksand Dash Regular"/>
+              </a:rPr>
+              <a:t>Demo</a:t>
+            </a:r>
+            <a:endParaRPr lang="en-US" sz="6000" dirty="0">
+              <a:latin typeface="Quicksand Dash Regular"/>
+              <a:cs typeface="Quicksand Dash Regular"/>
+            </a:endParaRPr>
+          </a:p>
+        </p:txBody>
+      </p:sp>
+      <p:pic>
+        <p:nvPicPr>
+          <p:cNvPr id="2" name="Picture 1" descr="2.png"/>
+          <p:cNvPicPr>
+            <a:picLocks noChangeAspect="1"/>
+          </p:cNvPicPr>
+          <p:nvPr/>
+        </p:nvPicPr>
+        <p:blipFill>
+          <a:blip r:embed="rId3">
+            <a:extLst>
+              <a:ext uri="{28A0092B-C50C-407E-A947-70E740481C1C}">
+                <a14:useLocalDpi xmlns:a14="http://schemas.microsoft.com/office/drawing/2010/main" val="0"/>
+              </a:ext>
+            </a:extLst>
+          </a:blip>
+          <a:stretch>
+            <a:fillRect/>
+          </a:stretch>
+        </p:blipFill>
+        <p:spPr>
+          <a:xfrm>
+            <a:off x="4387057" y="0"/>
+            <a:ext cx="3855697" cy="6858000"/>
+          </a:xfrm>
+          <a:prstGeom prst="rect">
+            <a:avLst/>
+          </a:prstGeom>
+        </p:spPr>
+      </p:pic>
+      <p:pic>
+        <p:nvPicPr>
+          <p:cNvPr id="5" name="Picture 4" descr="4.png"/>
+          <p:cNvPicPr>
+            <a:picLocks noChangeAspect="1"/>
+          </p:cNvPicPr>
+          <p:nvPr/>
+        </p:nvPicPr>
+        <p:blipFill>
+          <a:blip r:embed="rId4">
+            <a:extLst>
+              <a:ext uri="{28A0092B-C50C-407E-A947-70E740481C1C}">
+                <a14:useLocalDpi xmlns:a14="http://schemas.microsoft.com/office/drawing/2010/main" val="0"/>
+              </a:ext>
+            </a:extLst>
+          </a:blip>
+          <a:stretch>
+            <a:fillRect/>
+          </a:stretch>
+        </p:blipFill>
+        <p:spPr>
+          <a:xfrm>
+            <a:off x="4404454" y="0"/>
+            <a:ext cx="3855697" cy="6858000"/>
+          </a:xfrm>
+          <a:prstGeom prst="rect">
+            <a:avLst/>
+          </a:prstGeom>
+        </p:spPr>
+      </p:pic>
+      <p:pic>
+        <p:nvPicPr>
+          <p:cNvPr id="7" name="Picture 6" descr="1.png"/>
+          <p:cNvPicPr>
+            <a:picLocks noChangeAspect="1"/>
+          </p:cNvPicPr>
+          <p:nvPr/>
+        </p:nvPicPr>
+        <p:blipFill>
+          <a:blip r:embed="rId5">
+            <a:extLst>
+              <a:ext uri="{28A0092B-C50C-407E-A947-70E740481C1C}">
+                <a14:useLocalDpi xmlns:a14="http://schemas.microsoft.com/office/drawing/2010/main" val="0"/>
+              </a:ext>
+            </a:extLst>
+          </a:blip>
+          <a:stretch>
+            <a:fillRect/>
+          </a:stretch>
+        </p:blipFill>
+        <p:spPr>
+          <a:xfrm>
+            <a:off x="4387057" y="121766"/>
+            <a:ext cx="3855697" cy="6858000"/>
+          </a:xfrm>
+          <a:prstGeom prst="rect">
+            <a:avLst/>
+          </a:prstGeom>
+        </p:spPr>
+      </p:pic>
+      <p:pic>
+        <p:nvPicPr>
+          <p:cNvPr id="8" name="Picture 7" descr="6.png"/>
+          <p:cNvPicPr>
+            <a:picLocks noChangeAspect="1"/>
+          </p:cNvPicPr>
+          <p:nvPr/>
+        </p:nvPicPr>
+        <p:blipFill>
+          <a:blip r:embed="rId6">
+            <a:extLst>
+              <a:ext uri="{28A0092B-C50C-407E-A947-70E740481C1C}">
+                <a14:useLocalDpi xmlns:a14="http://schemas.microsoft.com/office/drawing/2010/main" val="0"/>
+              </a:ext>
+            </a:extLst>
+          </a:blip>
+          <a:stretch>
+            <a:fillRect/>
+          </a:stretch>
+        </p:blipFill>
+        <p:spPr>
+          <a:xfrm>
+            <a:off x="4404454" y="0"/>
+            <a:ext cx="3855697" cy="6858000"/>
+          </a:xfrm>
+          <a:prstGeom prst="rect">
+            <a:avLst/>
+          </a:prstGeom>
+        </p:spPr>
+      </p:pic>
+      <p:pic>
+        <p:nvPicPr>
+          <p:cNvPr id="9" name="Picture 8" descr="3.png"/>
+          <p:cNvPicPr>
+            <a:picLocks noChangeAspect="1"/>
+          </p:cNvPicPr>
+          <p:nvPr/>
+        </p:nvPicPr>
+        <p:blipFill>
+          <a:blip r:embed="rId7">
+            <a:extLst>
+              <a:ext uri="{28A0092B-C50C-407E-A947-70E740481C1C}">
+                <a14:useLocalDpi xmlns:a14="http://schemas.microsoft.com/office/drawing/2010/main" val="0"/>
+              </a:ext>
+            </a:extLst>
+          </a:blip>
+          <a:stretch>
+            <a:fillRect/>
+          </a:stretch>
+        </p:blipFill>
+        <p:spPr>
+          <a:xfrm>
+            <a:off x="4387057" y="0"/>
+            <a:ext cx="3855697" cy="6858000"/>
+          </a:xfrm>
+          <a:prstGeom prst="rect">
+            <a:avLst/>
+          </a:prstGeom>
+        </p:spPr>
+      </p:pic>
+      <p:pic>
+        <p:nvPicPr>
+          <p:cNvPr id="11" name="Picture 10" descr="5.png"/>
+          <p:cNvPicPr>
+            <a:picLocks noChangeAspect="1"/>
+          </p:cNvPicPr>
+          <p:nvPr/>
+        </p:nvPicPr>
+        <p:blipFill>
+          <a:blip r:embed="rId8">
+            <a:extLst>
+              <a:ext uri="{28A0092B-C50C-407E-A947-70E740481C1C}">
+                <a14:useLocalDpi xmlns:a14="http://schemas.microsoft.com/office/drawing/2010/main" val="0"/>
+              </a:ext>
+            </a:extLst>
+          </a:blip>
+          <a:stretch>
+            <a:fillRect/>
+          </a:stretch>
+        </p:blipFill>
+        <p:spPr>
+          <a:xfrm>
+            <a:off x="4387057" y="0"/>
+            <a:ext cx="3855697" cy="6858000"/>
+          </a:xfrm>
+          <a:prstGeom prst="rect">
+            <a:avLst/>
+          </a:prstGeom>
+        </p:spPr>
+      </p:pic>
+    </p:spTree>
+    <p:extLst>
+      <p:ext uri="{BB962C8B-B14F-4D97-AF65-F5344CB8AC3E}">
+        <p14:creationId xmlns:p14="http://schemas.microsoft.com/office/powerpoint/2010/main" val="1873274518"/>
+      </p:ext>
+    </p:extLst>
+  </p:cSld>
+  <p:clrMapOvr>
+    <a:masterClrMapping/>
+  </p:clrMapOvr>
+  <p:timing>
+    <p:tnLst>
+      <p:par>
+        <p:cTn xmlns:p14="http://schemas.microsoft.com/office/powerpoint/2010/main" id="1" dur="indefinite" restart="never" nodeType="tmRoot">
+          <p:childTnLst>
+            <p:seq concurrent="1" nextAc="seek">
+              <p:cTn id="2" dur="indefinite" nodeType="mainSeq">
+                <p:childTnLst>
+                  <p:par>
+                    <p:cTn id="3" fill="hold">
+                      <p:stCondLst>
+                        <p:cond delay="indefinite"/>
+                      </p:stCondLst>
+                      <p:childTnLst>
+                        <p:par>
+                          <p:cTn id="4" fill="hold">
+                            <p:stCondLst>
+                              <p:cond delay="0"/>
+                            </p:stCondLst>
+                            <p:childTnLst>
+                              <p:par>
+                                <p:cTn id="5" presetID="1" presetClass="entr" presetSubtype="0" fill="hold" nodeType="clickEffect">
+                                  <p:stCondLst>
+                                    <p:cond delay="0"/>
+                                  </p:stCondLst>
+                                  <p:childTnLst>
+                                    <p:set>
+                                      <p:cBhvr>
+                                        <p:cTn id="6" dur="1" fill="hold">
+                                          <p:stCondLst>
+                                            <p:cond delay="0"/>
+                                          </p:stCondLst>
+                                        </p:cTn>
+                                        <p:tgtEl>
+                                          <p:spTgt spid="5"/>
+                                        </p:tgtEl>
+                                        <p:attrNameLst>
+                                          <p:attrName>style.visibility</p:attrName>
+                                        </p:attrNameLst>
+                                      </p:cBhvr>
+                                      <p:to>
+                                        <p:strVal val="visible"/>
+                                      </p:to>
+                                    </p:set>
+                                  </p:childTnLst>
+                                </p:cTn>
+                              </p:par>
+                            </p:childTnLst>
+                          </p:cTn>
+                        </p:par>
+                      </p:childTnLst>
+                    </p:cTn>
+                  </p:par>
+                  <p:par>
+                    <p:cTn id="7" fill="hold">
+                      <p:stCondLst>
+                        <p:cond delay="indefinite"/>
+                      </p:stCondLst>
+                      <p:childTnLst>
+                        <p:par>
+                          <p:cTn id="8" fill="hold">
+                            <p:stCondLst>
+                              <p:cond delay="0"/>
+                            </p:stCondLst>
+                            <p:childTnLst>
+                              <p:par>
+                                <p:cTn id="9" presetID="1" presetClass="exit" presetSubtype="0" fill="hold" nodeType="clickEffect">
+                                  <p:stCondLst>
+                                    <p:cond delay="0"/>
+                                  </p:stCondLst>
+                                  <p:childTnLst>
+                                    <p:set>
+                                      <p:cBhvr>
+                                        <p:cTn id="10" dur="1" fill="hold">
+                                          <p:stCondLst>
+                                            <p:cond delay="0"/>
+                                          </p:stCondLst>
+                                        </p:cTn>
+                                        <p:tgtEl>
+                                          <p:spTgt spid="2"/>
+                                        </p:tgtEl>
+                                        <p:attrNameLst>
+                                          <p:attrName>style.visibility</p:attrName>
+                                        </p:attrNameLst>
+                                      </p:cBhvr>
+                                      <p:to>
+                                        <p:strVal val="hidden"/>
+                                      </p:to>
+                                    </p:set>
+                                  </p:childTnLst>
+                                </p:cTn>
+                              </p:par>
+                              <p:par>
+                                <p:cTn id="11" presetID="22" presetClass="entr" presetSubtype="8" fill="hold" nodeType="withEffect">
+                                  <p:stCondLst>
+                                    <p:cond delay="0"/>
+                                  </p:stCondLst>
+                                  <p:childTnLst>
+                                    <p:set>
+                                      <p:cBhvr>
+                                        <p:cTn id="12" dur="1" fill="hold">
+                                          <p:stCondLst>
+                                            <p:cond delay="0"/>
+                                          </p:stCondLst>
+                                        </p:cTn>
+                                        <p:tgtEl>
+                                          <p:spTgt spid="7"/>
+                                        </p:tgtEl>
+                                        <p:attrNameLst>
+                                          <p:attrName>style.visibility</p:attrName>
+                                        </p:attrNameLst>
+                                      </p:cBhvr>
+                                      <p:to>
+                                        <p:strVal val="visible"/>
+                                      </p:to>
+                                    </p:set>
+                                    <p:animEffect transition="in" filter="wipe(left)">
+                                      <p:cBhvr>
+                                        <p:cTn id="13" dur="500"/>
+                                        <p:tgtEl>
+                                          <p:spTgt spid="7"/>
+                                        </p:tgtEl>
+                                      </p:cBhvr>
+                                    </p:animEffect>
+                                  </p:childTnLst>
+                                </p:cTn>
+                              </p:par>
+                            </p:childTnLst>
+                          </p:cTn>
+                        </p:par>
+                      </p:childTnLst>
+                    </p:cTn>
+                  </p:par>
+                  <p:par>
+                    <p:cTn id="14" fill="hold">
+                      <p:stCondLst>
+                        <p:cond delay="indefinite"/>
+                      </p:stCondLst>
+                      <p:childTnLst>
+                        <p:par>
+                          <p:cTn id="15" fill="hold">
+                            <p:stCondLst>
+                              <p:cond delay="0"/>
+                            </p:stCondLst>
+                            <p:childTnLst>
+                              <p:par>
+                                <p:cTn id="16" presetID="1" presetClass="entr" presetSubtype="0" fill="hold" nodeType="clickEffect">
+                                  <p:stCondLst>
+                                    <p:cond delay="0"/>
+                                  </p:stCondLst>
+                                  <p:childTnLst>
+                                    <p:set>
+                                      <p:cBhvr>
+                                        <p:cTn id="17" dur="1" fill="hold">
+                                          <p:stCondLst>
+                                            <p:cond delay="0"/>
+                                          </p:stCondLst>
+                                        </p:cTn>
+                                        <p:tgtEl>
+                                          <p:spTgt spid="8"/>
+                                        </p:tgtEl>
+                                        <p:attrNameLst>
+                                          <p:attrName>style.visibility</p:attrName>
+                                        </p:attrNameLst>
+                                      </p:cBhvr>
+                                      <p:to>
+                                        <p:strVal val="visible"/>
+                                      </p:to>
+                                    </p:set>
+                                  </p:childTnLst>
+                                </p:cTn>
+                              </p:par>
+                            </p:childTnLst>
+                          </p:cTn>
+                        </p:par>
+                      </p:childTnLst>
+                    </p:cTn>
+                  </p:par>
+                  <p:par>
+                    <p:cTn id="18" fill="hold">
+                      <p:stCondLst>
+                        <p:cond delay="indefinite"/>
+                      </p:stCondLst>
+                      <p:childTnLst>
+                        <p:par>
+                          <p:cTn id="19" fill="hold">
+                            <p:stCondLst>
+                              <p:cond delay="0"/>
+                            </p:stCondLst>
+                            <p:childTnLst>
+                              <p:par>
+                                <p:cTn id="20" presetID="55" presetClass="exit" presetSubtype="0" fill="hold" nodeType="clickEffect">
+                                  <p:stCondLst>
+                                    <p:cond delay="0"/>
+                                  </p:stCondLst>
+                                  <p:childTnLst>
+                                    <p:anim calcmode="lin" valueType="num">
+                                      <p:cBhvr>
+                                        <p:cTn id="21" dur="1000"/>
+                                        <p:tgtEl>
+                                          <p:spTgt spid="8"/>
+                                        </p:tgtEl>
+                                        <p:attrNameLst>
+                                          <p:attrName>ppt_w</p:attrName>
+                                        </p:attrNameLst>
+                                      </p:cBhvr>
+                                      <p:tavLst>
+                                        <p:tav tm="0">
+                                          <p:val>
+                                            <p:strVal val="ppt_w"/>
+                                          </p:val>
+                                        </p:tav>
+                                        <p:tav tm="100000">
+                                          <p:val>
+                                            <p:strVal val="ppt_w*0.70"/>
+                                          </p:val>
+                                        </p:tav>
+                                      </p:tavLst>
+                                    </p:anim>
+                                    <p:anim calcmode="lin" valueType="num">
+                                      <p:cBhvr>
+                                        <p:cTn id="22" dur="1000"/>
+                                        <p:tgtEl>
+                                          <p:spTgt spid="8"/>
+                                        </p:tgtEl>
+                                        <p:attrNameLst>
+                                          <p:attrName>ppt_h</p:attrName>
+                                        </p:attrNameLst>
+                                      </p:cBhvr>
+                                      <p:tavLst>
+                                        <p:tav tm="0">
+                                          <p:val>
+                                            <p:strVal val="ppt_h"/>
+                                          </p:val>
+                                        </p:tav>
+                                        <p:tav tm="100000">
+                                          <p:val>
+                                            <p:strVal val="ppt_h"/>
+                                          </p:val>
+                                        </p:tav>
+                                      </p:tavLst>
+                                    </p:anim>
+                                    <p:animEffect transition="out" filter="fade">
+                                      <p:cBhvr>
+                                        <p:cTn id="23" dur="1000"/>
+                                        <p:tgtEl>
+                                          <p:spTgt spid="8"/>
+                                        </p:tgtEl>
+                                      </p:cBhvr>
+                                    </p:animEffect>
+                                    <p:set>
+                                      <p:cBhvr>
+                                        <p:cTn id="24" dur="1" fill="hold">
+                                          <p:stCondLst>
+                                            <p:cond delay="999"/>
+                                          </p:stCondLst>
+                                        </p:cTn>
+                                        <p:tgtEl>
+                                          <p:spTgt spid="8"/>
+                                        </p:tgtEl>
+                                        <p:attrNameLst>
+                                          <p:attrName>style.visibility</p:attrName>
+                                        </p:attrNameLst>
+                                      </p:cBhvr>
+                                      <p:to>
+                                        <p:strVal val="hidden"/>
+                                      </p:to>
+                                    </p:set>
+                                  </p:childTnLst>
+                                </p:cTn>
+                              </p:par>
+                            </p:childTnLst>
+                          </p:cTn>
+                        </p:par>
+                      </p:childTnLst>
+                    </p:cTn>
+                  </p:par>
+                  <p:par>
+                    <p:cTn id="25" fill="hold">
+                      <p:stCondLst>
+                        <p:cond delay="indefinite"/>
+                      </p:stCondLst>
+                      <p:childTnLst>
+                        <p:par>
+                          <p:cTn id="26" fill="hold">
+                            <p:stCondLst>
+                              <p:cond delay="0"/>
+                            </p:stCondLst>
+                            <p:childTnLst>
+                              <p:par>
+                                <p:cTn id="27" presetID="22" presetClass="entr" presetSubtype="8" fill="hold" nodeType="clickEffect">
+                                  <p:stCondLst>
+                                    <p:cond delay="0"/>
+                                  </p:stCondLst>
+                                  <p:childTnLst>
+                                    <p:set>
+                                      <p:cBhvr>
+                                        <p:cTn id="28" dur="1" fill="hold">
+                                          <p:stCondLst>
+                                            <p:cond delay="0"/>
+                                          </p:stCondLst>
+                                        </p:cTn>
+                                        <p:tgtEl>
+                                          <p:spTgt spid="9"/>
+                                        </p:tgtEl>
+                                        <p:attrNameLst>
+                                          <p:attrName>style.visibility</p:attrName>
+                                        </p:attrNameLst>
+                                      </p:cBhvr>
+                                      <p:to>
+                                        <p:strVal val="visible"/>
+                                      </p:to>
+                                    </p:set>
+                                    <p:animEffect transition="in" filter="wipe(left)">
+                                      <p:cBhvr>
+                                        <p:cTn id="29" dur="500"/>
+                                        <p:tgtEl>
+                                          <p:spTgt spid="9"/>
+                                        </p:tgtEl>
+                                      </p:cBhvr>
+                                    </p:animEffect>
+                                  </p:childTnLst>
+                                </p:cTn>
+                              </p:par>
+                            </p:childTnLst>
+                          </p:cTn>
+                        </p:par>
+                      </p:childTnLst>
+                    </p:cTn>
+                  </p:par>
+                  <p:par>
+                    <p:cTn id="30" fill="hold">
+                      <p:stCondLst>
+                        <p:cond delay="indefinite"/>
+                      </p:stCondLst>
+                      <p:childTnLst>
+                        <p:par>
+                          <p:cTn id="31" fill="hold">
+                            <p:stCondLst>
+                              <p:cond delay="0"/>
+                            </p:stCondLst>
+                            <p:childTnLst>
+                              <p:par>
+                                <p:cTn id="32" presetID="22" presetClass="entr" presetSubtype="8" fill="hold" nodeType="clickEffect">
+                                  <p:stCondLst>
+                                    <p:cond delay="0"/>
+                                  </p:stCondLst>
+                                  <p:childTnLst>
+                                    <p:set>
+                                      <p:cBhvr>
+                                        <p:cTn id="33" dur="1" fill="hold">
+                                          <p:stCondLst>
+                                            <p:cond delay="0"/>
+                                          </p:stCondLst>
+                                        </p:cTn>
+                                        <p:tgtEl>
+                                          <p:spTgt spid="11"/>
+                                        </p:tgtEl>
+                                        <p:attrNameLst>
+                                          <p:attrName>style.visibility</p:attrName>
+                                        </p:attrNameLst>
+                                      </p:cBhvr>
+                                      <p:to>
+                                        <p:strVal val="visible"/>
+                                      </p:to>
+                                    </p:set>
+                                    <p:animEffect transition="in" filter="wipe(left)">
+                                      <p:cBhvr>
+                                        <p:cTn id="34" dur="500"/>
+                                        <p:tgtEl>
+                                          <p:spTgt spid="11"/>
+                                        </p:tgtEl>
+                                      </p:cBhvr>
+                                    </p:animEffect>
+                                  </p:childTnLst>
+                                </p:cTn>
+                              </p:par>
+                            </p:childTnLst>
+                          </p:cTn>
+                        </p:par>
+                      </p:childTnLst>
+                    </p:cTn>
+                  </p:par>
+                </p:childTnLst>
+              </p:cTn>
+              <p:prevCondLst>
+                <p:cond evt="onPrev" delay="0">
+                  <p:tgtEl>
+                    <p:sldTgt/>
+                  </p:tgtEl>
+                </p:cond>
+              </p:prevCondLst>
+              <p:nextCondLst>
+                <p:cond evt="onNext" delay="0">
+                  <p:tgtEl>
+                    <p:sldTgt/>
+                  </p:tgtEl>
+                </p:cond>
+              </p:nextCondLst>
+            </p:seq>
+          </p:childTnLst>
+        </p:cTn>
+      </p:par>
+    </p:tnLst>
+  </p:timing>
 </p:sld>
 </file>
 

--- a/full_mockup.pptx
+++ b/full_mockup.pptx
@@ -113,6 +113,22 @@
       </a:defRPr>
     </a:lvl9pPr>
   </p:defaultTextStyle>
+  <p:extLst>
+    <p:ext uri="{EFAFB233-063F-42B5-8137-9DF3F51BA10A}">
+      <p15:sldGuideLst xmlns:p15="http://schemas.microsoft.com/office/powerpoint/2012/main">
+        <p15:guide id="1" orient="horz" pos="2160">
+          <p15:clr>
+            <a:srgbClr val="A4A3A4"/>
+          </p15:clr>
+        </p15:guide>
+        <p15:guide id="2" pos="2880">
+          <p15:clr>
+            <a:srgbClr val="A4A3A4"/>
+          </p15:clr>
+        </p15:guide>
+      </p15:sldGuideLst>
+    </p:ext>
+  </p:extLst>
 </p:presentation>
 </file>
 
@@ -198,7 +214,7 @@
           <a:p>
             <a:fld id="{37536D00-DEAA-804B-B3E1-1F42B07B4846}" type="datetimeFigureOut">
               <a:rPr lang="en-US" smtClean="0"/>
-              <a:t>4/5/17</a:t>
+              <a:t>4/6/17</a:t>
             </a:fld>
             <a:endParaRPr lang="en-US"/>
           </a:p>
@@ -1298,7 +1314,7 @@
           <a:p>
             <a:fld id="{59B4A4A9-1795-944B-977D-92B2913FCDEC}" type="datetimeFigureOut">
               <a:rPr lang="en-US" smtClean="0"/>
-              <a:t>4/5/17</a:t>
+              <a:t>4/6/17</a:t>
             </a:fld>
             <a:endParaRPr lang="en-US"/>
           </a:p>
@@ -1468,7 +1484,7 @@
           <a:p>
             <a:fld id="{59B4A4A9-1795-944B-977D-92B2913FCDEC}" type="datetimeFigureOut">
               <a:rPr lang="en-US" smtClean="0"/>
-              <a:t>4/5/17</a:t>
+              <a:t>4/6/17</a:t>
             </a:fld>
             <a:endParaRPr lang="en-US"/>
           </a:p>
@@ -1648,7 +1664,7 @@
           <a:p>
             <a:fld id="{59B4A4A9-1795-944B-977D-92B2913FCDEC}" type="datetimeFigureOut">
               <a:rPr lang="en-US" smtClean="0"/>
-              <a:t>4/5/17</a:t>
+              <a:t>4/6/17</a:t>
             </a:fld>
             <a:endParaRPr lang="en-US"/>
           </a:p>
@@ -1818,7 +1834,7 @@
           <a:p>
             <a:fld id="{59B4A4A9-1795-944B-977D-92B2913FCDEC}" type="datetimeFigureOut">
               <a:rPr lang="en-US" smtClean="0"/>
-              <a:t>4/5/17</a:t>
+              <a:t>4/6/17</a:t>
             </a:fld>
             <a:endParaRPr lang="en-US"/>
           </a:p>
@@ -2064,7 +2080,7 @@
           <a:p>
             <a:fld id="{59B4A4A9-1795-944B-977D-92B2913FCDEC}" type="datetimeFigureOut">
               <a:rPr lang="en-US" smtClean="0"/>
-              <a:t>4/5/17</a:t>
+              <a:t>4/6/17</a:t>
             </a:fld>
             <a:endParaRPr lang="en-US"/>
           </a:p>
@@ -2352,7 +2368,7 @@
           <a:p>
             <a:fld id="{59B4A4A9-1795-944B-977D-92B2913FCDEC}" type="datetimeFigureOut">
               <a:rPr lang="en-US" smtClean="0"/>
-              <a:t>4/5/17</a:t>
+              <a:t>4/6/17</a:t>
             </a:fld>
             <a:endParaRPr lang="en-US"/>
           </a:p>
@@ -2774,7 +2790,7 @@
           <a:p>
             <a:fld id="{59B4A4A9-1795-944B-977D-92B2913FCDEC}" type="datetimeFigureOut">
               <a:rPr lang="en-US" smtClean="0"/>
-              <a:t>4/5/17</a:t>
+              <a:t>4/6/17</a:t>
             </a:fld>
             <a:endParaRPr lang="en-US"/>
           </a:p>
@@ -2892,7 +2908,7 @@
           <a:p>
             <a:fld id="{59B4A4A9-1795-944B-977D-92B2913FCDEC}" type="datetimeFigureOut">
               <a:rPr lang="en-US" smtClean="0"/>
-              <a:t>4/5/17</a:t>
+              <a:t>4/6/17</a:t>
             </a:fld>
             <a:endParaRPr lang="en-US"/>
           </a:p>
@@ -2987,7 +3003,7 @@
           <a:p>
             <a:fld id="{59B4A4A9-1795-944B-977D-92B2913FCDEC}" type="datetimeFigureOut">
               <a:rPr lang="en-US" smtClean="0"/>
-              <a:t>4/5/17</a:t>
+              <a:t>4/6/17</a:t>
             </a:fld>
             <a:endParaRPr lang="en-US"/>
           </a:p>
@@ -3264,7 +3280,7 @@
           <a:p>
             <a:fld id="{59B4A4A9-1795-944B-977D-92B2913FCDEC}" type="datetimeFigureOut">
               <a:rPr lang="en-US" smtClean="0"/>
-              <a:t>4/5/17</a:t>
+              <a:t>4/6/17</a:t>
             </a:fld>
             <a:endParaRPr lang="en-US"/>
           </a:p>
@@ -3517,7 +3533,7 @@
           <a:p>
             <a:fld id="{59B4A4A9-1795-944B-977D-92B2913FCDEC}" type="datetimeFigureOut">
               <a:rPr lang="en-US" smtClean="0"/>
-              <a:t>4/5/17</a:t>
+              <a:t>4/6/17</a:t>
             </a:fld>
             <a:endParaRPr lang="en-US"/>
           </a:p>
@@ -3730,7 +3746,7 @@
           <a:p>
             <a:fld id="{59B4A4A9-1795-944B-977D-92B2913FCDEC}" type="datetimeFigureOut">
               <a:rPr lang="en-US" smtClean="0"/>
-              <a:t>4/5/17</a:t>
+              <a:t>4/6/17</a:t>
             </a:fld>
             <a:endParaRPr lang="en-US"/>
           </a:p>
@@ -4404,7 +4420,7 @@
   <p:timing>
     <p:tnLst>
       <p:par>
-        <p:cTn xmlns:p14="http://schemas.microsoft.com/office/powerpoint/2010/main" id="1" dur="indefinite" restart="never" nodeType="tmRoot"/>
+        <p:cTn id="1" dur="indefinite" restart="never" nodeType="tmRoot"/>
       </p:par>
     </p:tnLst>
   </p:timing>
@@ -4655,7 +4671,7 @@
   <p:timing>
     <p:tnLst>
       <p:par>
-        <p:cTn xmlns:p14="http://schemas.microsoft.com/office/powerpoint/2010/main" id="1" dur="indefinite" restart="never" nodeType="tmRoot"/>
+        <p:cTn id="1" dur="indefinite" restart="never" nodeType="tmRoot"/>
       </p:par>
     </p:tnLst>
   </p:timing>
@@ -4977,7 +4993,7 @@
   <p:timing>
     <p:tnLst>
       <p:par>
-        <p:cTn xmlns:p14="http://schemas.microsoft.com/office/powerpoint/2010/main" id="1" dur="indefinite" restart="never" nodeType="tmRoot"/>
+        <p:cTn id="1" dur="indefinite" restart="never" nodeType="tmRoot"/>
       </p:par>
     </p:tnLst>
   </p:timing>
@@ -5226,7 +5242,7 @@
   <p:timing>
     <p:tnLst>
       <p:par>
-        <p:cTn xmlns:p14="http://schemas.microsoft.com/office/powerpoint/2010/main" id="1" dur="indefinite" restart="never" nodeType="tmRoot"/>
+        <p:cTn id="1" dur="indefinite" restart="never" nodeType="tmRoot"/>
       </p:par>
     </p:tnLst>
   </p:timing>
@@ -5564,7 +5580,7 @@
   <p:timing>
     <p:tnLst>
       <p:par>
-        <p:cTn xmlns:p14="http://schemas.microsoft.com/office/powerpoint/2010/main" id="1" dur="indefinite" restart="never" nodeType="tmRoot"/>
+        <p:cTn id="1" dur="indefinite" restart="never" nodeType="tmRoot"/>
       </p:par>
     </p:tnLst>
   </p:timing>
@@ -5655,7 +5671,7 @@
         </p:blipFill>
         <p:spPr>
           <a:xfrm>
-            <a:off x="5288303" y="0"/>
+            <a:off x="5037783" y="-288264"/>
             <a:ext cx="3855697" cy="6858000"/>
           </a:xfrm>
           <a:prstGeom prst="rect">
@@ -5822,7 +5838,7 @@
   <p:timing>
     <p:tnLst>
       <p:par>
-        <p:cTn xmlns:p14="http://schemas.microsoft.com/office/powerpoint/2010/main" id="1" dur="indefinite" restart="never" nodeType="tmRoot"/>
+        <p:cTn id="1" dur="indefinite" restart="never" nodeType="tmRoot"/>
       </p:par>
     </p:tnLst>
   </p:timing>
@@ -6075,7 +6091,7 @@
   <p:timing>
     <p:tnLst>
       <p:par>
-        <p:cTn xmlns:p14="http://schemas.microsoft.com/office/powerpoint/2010/main" id="1" dur="indefinite" restart="never" nodeType="tmRoot">
+        <p:cTn id="1" dur="indefinite" restart="never" nodeType="tmRoot">
           <p:childTnLst>
             <p:seq concurrent="1" nextAc="seek">
               <p:cTn id="2" dur="indefinite" nodeType="mainSeq">

--- a/full_mockup.pptx
+++ b/full_mockup.pptx
@@ -198,7 +198,7 @@
           <a:p>
             <a:fld id="{37536D00-DEAA-804B-B3E1-1F42B07B4846}" type="datetimeFigureOut">
               <a:rPr lang="en-US" smtClean="0"/>
-              <a:t>4/5/17</a:t>
+              <a:t>4/6/17</a:t>
             </a:fld>
             <a:endParaRPr lang="en-US"/>
           </a:p>
@@ -1298,7 +1298,7 @@
           <a:p>
             <a:fld id="{59B4A4A9-1795-944B-977D-92B2913FCDEC}" type="datetimeFigureOut">
               <a:rPr lang="en-US" smtClean="0"/>
-              <a:t>4/5/17</a:t>
+              <a:t>4/6/17</a:t>
             </a:fld>
             <a:endParaRPr lang="en-US"/>
           </a:p>
@@ -1468,7 +1468,7 @@
           <a:p>
             <a:fld id="{59B4A4A9-1795-944B-977D-92B2913FCDEC}" type="datetimeFigureOut">
               <a:rPr lang="en-US" smtClean="0"/>
-              <a:t>4/5/17</a:t>
+              <a:t>4/6/17</a:t>
             </a:fld>
             <a:endParaRPr lang="en-US"/>
           </a:p>
@@ -1648,7 +1648,7 @@
           <a:p>
             <a:fld id="{59B4A4A9-1795-944B-977D-92B2913FCDEC}" type="datetimeFigureOut">
               <a:rPr lang="en-US" smtClean="0"/>
-              <a:t>4/5/17</a:t>
+              <a:t>4/6/17</a:t>
             </a:fld>
             <a:endParaRPr lang="en-US"/>
           </a:p>
@@ -1818,7 +1818,7 @@
           <a:p>
             <a:fld id="{59B4A4A9-1795-944B-977D-92B2913FCDEC}" type="datetimeFigureOut">
               <a:rPr lang="en-US" smtClean="0"/>
-              <a:t>4/5/17</a:t>
+              <a:t>4/6/17</a:t>
             </a:fld>
             <a:endParaRPr lang="en-US"/>
           </a:p>
@@ -2064,7 +2064,7 @@
           <a:p>
             <a:fld id="{59B4A4A9-1795-944B-977D-92B2913FCDEC}" type="datetimeFigureOut">
               <a:rPr lang="en-US" smtClean="0"/>
-              <a:t>4/5/17</a:t>
+              <a:t>4/6/17</a:t>
             </a:fld>
             <a:endParaRPr lang="en-US"/>
           </a:p>
@@ -2352,7 +2352,7 @@
           <a:p>
             <a:fld id="{59B4A4A9-1795-944B-977D-92B2913FCDEC}" type="datetimeFigureOut">
               <a:rPr lang="en-US" smtClean="0"/>
-              <a:t>4/5/17</a:t>
+              <a:t>4/6/17</a:t>
             </a:fld>
             <a:endParaRPr lang="en-US"/>
           </a:p>
@@ -2774,7 +2774,7 @@
           <a:p>
             <a:fld id="{59B4A4A9-1795-944B-977D-92B2913FCDEC}" type="datetimeFigureOut">
               <a:rPr lang="en-US" smtClean="0"/>
-              <a:t>4/5/17</a:t>
+              <a:t>4/6/17</a:t>
             </a:fld>
             <a:endParaRPr lang="en-US"/>
           </a:p>
@@ -2892,7 +2892,7 @@
           <a:p>
             <a:fld id="{59B4A4A9-1795-944B-977D-92B2913FCDEC}" type="datetimeFigureOut">
               <a:rPr lang="en-US" smtClean="0"/>
-              <a:t>4/5/17</a:t>
+              <a:t>4/6/17</a:t>
             </a:fld>
             <a:endParaRPr lang="en-US"/>
           </a:p>
@@ -2987,7 +2987,7 @@
           <a:p>
             <a:fld id="{59B4A4A9-1795-944B-977D-92B2913FCDEC}" type="datetimeFigureOut">
               <a:rPr lang="en-US" smtClean="0"/>
-              <a:t>4/5/17</a:t>
+              <a:t>4/6/17</a:t>
             </a:fld>
             <a:endParaRPr lang="en-US"/>
           </a:p>
@@ -3264,7 +3264,7 @@
           <a:p>
             <a:fld id="{59B4A4A9-1795-944B-977D-92B2913FCDEC}" type="datetimeFigureOut">
               <a:rPr lang="en-US" smtClean="0"/>
-              <a:t>4/5/17</a:t>
+              <a:t>4/6/17</a:t>
             </a:fld>
             <a:endParaRPr lang="en-US"/>
           </a:p>
@@ -3517,7 +3517,7 @@
           <a:p>
             <a:fld id="{59B4A4A9-1795-944B-977D-92B2913FCDEC}" type="datetimeFigureOut">
               <a:rPr lang="en-US" smtClean="0"/>
-              <a:t>4/5/17</a:t>
+              <a:t>4/6/17</a:t>
             </a:fld>
             <a:endParaRPr lang="en-US"/>
           </a:p>
@@ -3730,7 +3730,7 @@
           <a:p>
             <a:fld id="{59B4A4A9-1795-944B-977D-92B2913FCDEC}" type="datetimeFigureOut">
               <a:rPr lang="en-US" smtClean="0"/>
-              <a:t>4/5/17</a:t>
+              <a:t>4/6/17</a:t>
             </a:fld>
             <a:endParaRPr lang="en-US"/>
           </a:p>
@@ -5471,7 +5471,7 @@
         <p:spPr>
           <a:xfrm flipH="1">
             <a:off x="2488457" y="5531627"/>
-            <a:ext cx="3843846" cy="0"/>
+            <a:ext cx="3843846" cy="400086"/>
           </a:xfrm>
           <a:prstGeom prst="straightConnector1">
             <a:avLst/>
@@ -5507,7 +5507,7 @@
         </p:nvSpPr>
         <p:spPr>
           <a:xfrm>
-            <a:off x="274175" y="5239239"/>
+            <a:off x="199421" y="5604535"/>
             <a:ext cx="2472471" cy="1077218"/>
           </a:xfrm>
           <a:prstGeom prst="rect">
@@ -5543,6 +5543,102 @@
                 <a:cs typeface="Quicksand Bold"/>
               </a:rPr>
               <a:t>ith phone</a:t>
+            </a:r>
+            <a:endParaRPr lang="en-US" sz="3200" dirty="0">
+              <a:latin typeface="Quicksand Bold"/>
+              <a:cs typeface="Quicksand Bold"/>
+            </a:endParaRPr>
+          </a:p>
+        </p:txBody>
+      </p:sp>
+      <p:cxnSp>
+        <p:nvCxnSpPr>
+          <p:cNvPr id="11" name="Straight Arrow Connector 10"/>
+          <p:cNvCxnSpPr/>
+          <p:nvPr/>
+        </p:nvCxnSpPr>
+        <p:spPr>
+          <a:xfrm flipH="1">
+            <a:off x="2278933" y="4744694"/>
+            <a:ext cx="4053370" cy="282477"/>
+          </a:xfrm>
+          <a:prstGeom prst="straightConnector1">
+            <a:avLst/>
+          </a:prstGeom>
+          <a:ln w="76200" cmpd="sng">
+            <a:solidFill>
+              <a:schemeClr val="tx1"/>
+            </a:solidFill>
+            <a:tailEnd type="arrow"/>
+          </a:ln>
+          <a:effectLst/>
+        </p:spPr>
+        <p:style>
+          <a:lnRef idx="2">
+            <a:schemeClr val="accent1"/>
+          </a:lnRef>
+          <a:fillRef idx="0">
+            <a:schemeClr val="accent1"/>
+          </a:fillRef>
+          <a:effectRef idx="1">
+            <a:schemeClr val="accent1"/>
+          </a:effectRef>
+          <a:fontRef idx="minor">
+            <a:schemeClr val="tx1"/>
+          </a:fontRef>
+        </p:style>
+      </p:cxnSp>
+      <p:sp>
+        <p:nvSpPr>
+          <p:cNvPr id="14" name="TextBox 13"/>
+          <p:cNvSpPr txBox="1"/>
+          <p:nvPr/>
+        </p:nvSpPr>
+        <p:spPr>
+          <a:xfrm>
+            <a:off x="121775" y="4527317"/>
+            <a:ext cx="2309144" cy="1077218"/>
+          </a:xfrm>
+          <a:prstGeom prst="rect">
+            <a:avLst/>
+          </a:prstGeom>
+          <a:noFill/>
+        </p:spPr>
+        <p:txBody>
+          <a:bodyPr wrap="none" rtlCol="0">
+            <a:spAutoFit/>
+          </a:bodyPr>
+          <a:lstStyle/>
+          <a:p>
+            <a:r>
+              <a:rPr lang="en-US" sz="3200" dirty="0" smtClean="0">
+                <a:latin typeface="Quicksand Bold"/>
+                <a:cs typeface="Quicksand Bold"/>
+              </a:rPr>
+              <a:t>Integrate </a:t>
+            </a:r>
+          </a:p>
+          <a:p>
+            <a:r>
+              <a:rPr lang="en-US" sz="3200" dirty="0">
+                <a:latin typeface="Quicksand Bold"/>
+                <a:cs typeface="Quicksand Bold"/>
+              </a:rPr>
+              <a:t>w</a:t>
+            </a:r>
+            <a:r>
+              <a:rPr lang="en-US" sz="3200" dirty="0" smtClean="0">
+                <a:latin typeface="Quicksand Bold"/>
+                <a:cs typeface="Quicksand Bold"/>
+              </a:rPr>
+              <a:t>ith </a:t>
+            </a:r>
+            <a:r>
+              <a:rPr lang="en-US" sz="3200" dirty="0" smtClean="0">
+                <a:latin typeface="Quicksand Bold"/>
+                <a:cs typeface="Quicksand Bold"/>
+              </a:rPr>
+              <a:t>maps</a:t>
             </a:r>
             <a:endParaRPr lang="en-US" sz="3200" dirty="0">
               <a:latin typeface="Quicksand Bold"/>
